--- a/High Density Neural Implant Cylindrical Packaging/High Density Neural Implant Cylindrical Packaging.pptx
+++ b/High Density Neural Implant Cylindrical Packaging/High Density Neural Implant Cylindrical Packaging.pptx
@@ -4005,7 +4005,7 @@
           <a:p>
             <a:fld id="{FBA39580-5F80-764E-910E-C26D49EE4256}" type="datetimeFigureOut">
               <a:rPr lang="en-US" smtClean="0"/>
-              <a:t>7/26/24</a:t>
+              <a:t>7/27/24</a:t>
             </a:fld>
             <a:endParaRPr lang="en-US"/>
           </a:p>
@@ -4203,7 +4203,7 @@
           <a:p>
             <a:fld id="{FBA39580-5F80-764E-910E-C26D49EE4256}" type="datetimeFigureOut">
               <a:rPr lang="en-US" smtClean="0"/>
-              <a:t>7/26/24</a:t>
+              <a:t>7/27/24</a:t>
             </a:fld>
             <a:endParaRPr lang="en-US"/>
           </a:p>
@@ -4411,7 +4411,7 @@
           <a:p>
             <a:fld id="{FBA39580-5F80-764E-910E-C26D49EE4256}" type="datetimeFigureOut">
               <a:rPr lang="en-US" smtClean="0"/>
-              <a:t>7/26/24</a:t>
+              <a:t>7/27/24</a:t>
             </a:fld>
             <a:endParaRPr lang="en-US"/>
           </a:p>
@@ -4609,7 +4609,7 @@
           <a:p>
             <a:fld id="{FBA39580-5F80-764E-910E-C26D49EE4256}" type="datetimeFigureOut">
               <a:rPr lang="en-US" smtClean="0"/>
-              <a:t>7/26/24</a:t>
+              <a:t>7/27/24</a:t>
             </a:fld>
             <a:endParaRPr lang="en-US"/>
           </a:p>
@@ -4884,7 +4884,7 @@
           <a:p>
             <a:fld id="{FBA39580-5F80-764E-910E-C26D49EE4256}" type="datetimeFigureOut">
               <a:rPr lang="en-US" smtClean="0"/>
-              <a:t>7/26/24</a:t>
+              <a:t>7/27/24</a:t>
             </a:fld>
             <a:endParaRPr lang="en-US"/>
           </a:p>
@@ -5149,7 +5149,7 @@
           <a:p>
             <a:fld id="{FBA39580-5F80-764E-910E-C26D49EE4256}" type="datetimeFigureOut">
               <a:rPr lang="en-US" smtClean="0"/>
-              <a:t>7/26/24</a:t>
+              <a:t>7/27/24</a:t>
             </a:fld>
             <a:endParaRPr lang="en-US"/>
           </a:p>
@@ -5561,7 +5561,7 @@
           <a:p>
             <a:fld id="{FBA39580-5F80-764E-910E-C26D49EE4256}" type="datetimeFigureOut">
               <a:rPr lang="en-US" smtClean="0"/>
-              <a:t>7/26/24</a:t>
+              <a:t>7/27/24</a:t>
             </a:fld>
             <a:endParaRPr lang="en-US"/>
           </a:p>
@@ -5702,7 +5702,7 @@
           <a:p>
             <a:fld id="{FBA39580-5F80-764E-910E-C26D49EE4256}" type="datetimeFigureOut">
               <a:rPr lang="en-US" smtClean="0"/>
-              <a:t>7/26/24</a:t>
+              <a:t>7/27/24</a:t>
             </a:fld>
             <a:endParaRPr lang="en-US"/>
           </a:p>
@@ -5815,7 +5815,7 @@
           <a:p>
             <a:fld id="{FBA39580-5F80-764E-910E-C26D49EE4256}" type="datetimeFigureOut">
               <a:rPr lang="en-US" smtClean="0"/>
-              <a:t>7/26/24</a:t>
+              <a:t>7/27/24</a:t>
             </a:fld>
             <a:endParaRPr lang="en-US"/>
           </a:p>
@@ -6126,7 +6126,7 @@
           <a:p>
             <a:fld id="{FBA39580-5F80-764E-910E-C26D49EE4256}" type="datetimeFigureOut">
               <a:rPr lang="en-US" smtClean="0"/>
-              <a:t>7/26/24</a:t>
+              <a:t>7/27/24</a:t>
             </a:fld>
             <a:endParaRPr lang="en-US"/>
           </a:p>
@@ -6414,7 +6414,7 @@
           <a:p>
             <a:fld id="{FBA39580-5F80-764E-910E-C26D49EE4256}" type="datetimeFigureOut">
               <a:rPr lang="en-US" smtClean="0"/>
-              <a:t>7/26/24</a:t>
+              <a:t>7/27/24</a:t>
             </a:fld>
             <a:endParaRPr lang="en-US"/>
           </a:p>
@@ -6655,7 +6655,7 @@
           <a:p>
             <a:fld id="{FBA39580-5F80-764E-910E-C26D49EE4256}" type="datetimeFigureOut">
               <a:rPr lang="en-US" smtClean="0"/>
-              <a:t>7/26/24</a:t>
+              <a:t>7/27/24</a:t>
             </a:fld>
             <a:endParaRPr lang="en-US"/>
           </a:p>
@@ -7140,9 +7140,22 @@
           </a:p>
           <a:p>
             <a:r>
-              <a:rPr lang="en-US" dirty="0"/>
-              <a:t>6/15/2024</a:t>
-            </a:r>
+              <a:rPr lang="en-US" altLang="zh-CN"/>
+              <a:t>7</a:t>
+            </a:r>
+            <a:r>
+              <a:rPr lang="en-US"/>
+              <a:t>/</a:t>
+            </a:r>
+            <a:r>
+              <a:rPr lang="en-US" altLang="zh-CN"/>
+              <a:t>26</a:t>
+            </a:r>
+            <a:r>
+              <a:rPr lang="en-US"/>
+              <a:t>/2024</a:t>
+            </a:r>
+            <a:endParaRPr lang="en-US" dirty="0"/>
           </a:p>
         </p:txBody>
       </p:sp>
@@ -7625,8 +7638,8 @@
           </a:p>
         </p:txBody>
       </p:sp>
-      <mc:AlternateContent xmlns:mc="http://schemas.openxmlformats.org/markup-compatibility/2006">
-        <mc:Choice xmlns:p14="http://schemas.microsoft.com/office/powerpoint/2010/main" Requires="p14">
+      <mc:AlternateContent xmlns:mc="http://schemas.openxmlformats.org/markup-compatibility/2006" xmlns:p14="http://schemas.microsoft.com/office/powerpoint/2010/main">
+        <mc:Choice Requires="p14">
           <p:contentPart p14:bwMode="auto" r:id="rId3">
             <p14:nvContentPartPr>
               <p14:cNvPr id="6" name="Ink 5">
@@ -7645,7 +7658,7 @@
             </p14:xfrm>
           </p:contentPart>
         </mc:Choice>
-        <mc:Fallback>
+        <mc:Fallback xmlns="">
           <p:pic>
             <p:nvPicPr>
               <p:cNvPr id="6" name="Ink 5">
@@ -7676,8 +7689,8 @@
           </p:pic>
         </mc:Fallback>
       </mc:AlternateContent>
-      <mc:AlternateContent xmlns:mc="http://schemas.openxmlformats.org/markup-compatibility/2006">
-        <mc:Choice xmlns:p14="http://schemas.microsoft.com/office/powerpoint/2010/main" Requires="p14">
+      <mc:AlternateContent xmlns:mc="http://schemas.openxmlformats.org/markup-compatibility/2006" xmlns:p14="http://schemas.microsoft.com/office/powerpoint/2010/main">
+        <mc:Choice Requires="p14">
           <p:contentPart p14:bwMode="auto" r:id="rId5">
             <p14:nvContentPartPr>
               <p14:cNvPr id="7" name="Ink 6">
@@ -7696,7 +7709,7 @@
             </p14:xfrm>
           </p:contentPart>
         </mc:Choice>
-        <mc:Fallback>
+        <mc:Fallback xmlns="">
           <p:pic>
             <p:nvPicPr>
               <p:cNvPr id="7" name="Ink 6">
@@ -7727,8 +7740,8 @@
           </p:pic>
         </mc:Fallback>
       </mc:AlternateContent>
-      <mc:AlternateContent xmlns:mc="http://schemas.openxmlformats.org/markup-compatibility/2006">
-        <mc:Choice xmlns:p14="http://schemas.microsoft.com/office/powerpoint/2010/main" Requires="p14">
+      <mc:AlternateContent xmlns:mc="http://schemas.openxmlformats.org/markup-compatibility/2006" xmlns:p14="http://schemas.microsoft.com/office/powerpoint/2010/main">
+        <mc:Choice Requires="p14">
           <p:contentPart p14:bwMode="auto" r:id="rId7">
             <p14:nvContentPartPr>
               <p14:cNvPr id="10" name="Ink 9">
@@ -7747,7 +7760,7 @@
             </p14:xfrm>
           </p:contentPart>
         </mc:Choice>
-        <mc:Fallback>
+        <mc:Fallback xmlns="">
           <p:pic>
             <p:nvPicPr>
               <p:cNvPr id="10" name="Ink 9">
@@ -7918,8 +7931,8 @@
           </a:p>
         </p:txBody>
       </p:sp>
-      <mc:AlternateContent xmlns:mc="http://schemas.openxmlformats.org/markup-compatibility/2006">
-        <mc:Choice xmlns:p14="http://schemas.microsoft.com/office/powerpoint/2010/main" Requires="p14">
+      <mc:AlternateContent xmlns:mc="http://schemas.openxmlformats.org/markup-compatibility/2006" xmlns:p14="http://schemas.microsoft.com/office/powerpoint/2010/main">
+        <mc:Choice Requires="p14">
           <p:contentPart p14:bwMode="auto" r:id="rId9">
             <p14:nvContentPartPr>
               <p14:cNvPr id="16" name="Ink 15">
@@ -7938,7 +7951,7 @@
             </p14:xfrm>
           </p:contentPart>
         </mc:Choice>
-        <mc:Fallback>
+        <mc:Fallback xmlns="">
           <p:pic>
             <p:nvPicPr>
               <p:cNvPr id="16" name="Ink 15">
@@ -7969,8 +7982,8 @@
           </p:pic>
         </mc:Fallback>
       </mc:AlternateContent>
-      <mc:AlternateContent xmlns:mc="http://schemas.openxmlformats.org/markup-compatibility/2006">
-        <mc:Choice xmlns:p14="http://schemas.microsoft.com/office/powerpoint/2010/main" Requires="p14">
+      <mc:AlternateContent xmlns:mc="http://schemas.openxmlformats.org/markup-compatibility/2006" xmlns:p14="http://schemas.microsoft.com/office/powerpoint/2010/main">
+        <mc:Choice Requires="p14">
           <p:contentPart p14:bwMode="auto" r:id="rId11">
             <p14:nvContentPartPr>
               <p14:cNvPr id="17" name="Ink 16">
@@ -7989,7 +8002,7 @@
             </p14:xfrm>
           </p:contentPart>
         </mc:Choice>
-        <mc:Fallback>
+        <mc:Fallback xmlns="">
           <p:pic>
             <p:nvPicPr>
               <p:cNvPr id="17" name="Ink 16">
@@ -8040,8 +8053,8 @@
             <a:chExt cx="915840" cy="477360"/>
           </a:xfrm>
         </p:grpSpPr>
-        <mc:AlternateContent xmlns:mc="http://schemas.openxmlformats.org/markup-compatibility/2006">
-          <mc:Choice xmlns:p14="http://schemas.microsoft.com/office/powerpoint/2010/main" Requires="p14">
+        <mc:AlternateContent xmlns:mc="http://schemas.openxmlformats.org/markup-compatibility/2006" xmlns:p14="http://schemas.microsoft.com/office/powerpoint/2010/main">
+          <mc:Choice Requires="p14">
             <p:contentPart p14:bwMode="auto" r:id="rId13">
               <p14:nvContentPartPr>
                 <p14:cNvPr id="18" name="Ink 17">
@@ -8060,7 +8073,7 @@
               </p14:xfrm>
             </p:contentPart>
           </mc:Choice>
-          <mc:Fallback>
+          <mc:Fallback xmlns="">
             <p:pic>
               <p:nvPicPr>
                 <p:cNvPr id="18" name="Ink 17">
@@ -8091,8 +8104,8 @@
             </p:pic>
           </mc:Fallback>
         </mc:AlternateContent>
-        <mc:AlternateContent xmlns:mc="http://schemas.openxmlformats.org/markup-compatibility/2006">
-          <mc:Choice xmlns:p14="http://schemas.microsoft.com/office/powerpoint/2010/main" Requires="p14">
+        <mc:AlternateContent xmlns:mc="http://schemas.openxmlformats.org/markup-compatibility/2006" xmlns:p14="http://schemas.microsoft.com/office/powerpoint/2010/main">
+          <mc:Choice Requires="p14">
             <p:contentPart p14:bwMode="auto" r:id="rId15">
               <p14:nvContentPartPr>
                 <p14:cNvPr id="19" name="Ink 18">
@@ -8111,7 +8124,7 @@
               </p14:xfrm>
             </p:contentPart>
           </mc:Choice>
-          <mc:Fallback>
+          <mc:Fallback xmlns="">
             <p:pic>
               <p:nvPicPr>
                 <p:cNvPr id="19" name="Ink 18">
@@ -8142,8 +8155,8 @@
             </p:pic>
           </mc:Fallback>
         </mc:AlternateContent>
-        <mc:AlternateContent xmlns:mc="http://schemas.openxmlformats.org/markup-compatibility/2006">
-          <mc:Choice xmlns:p14="http://schemas.microsoft.com/office/powerpoint/2010/main" Requires="p14">
+        <mc:AlternateContent xmlns:mc="http://schemas.openxmlformats.org/markup-compatibility/2006" xmlns:p14="http://schemas.microsoft.com/office/powerpoint/2010/main">
+          <mc:Choice Requires="p14">
             <p:contentPart p14:bwMode="auto" r:id="rId17">
               <p14:nvContentPartPr>
                 <p14:cNvPr id="20" name="Ink 19">
@@ -8162,7 +8175,7 @@
               </p14:xfrm>
             </p:contentPart>
           </mc:Choice>
-          <mc:Fallback>
+          <mc:Fallback xmlns="">
             <p:pic>
               <p:nvPicPr>
                 <p:cNvPr id="20" name="Ink 19">
@@ -8193,8 +8206,8 @@
             </p:pic>
           </mc:Fallback>
         </mc:AlternateContent>
-        <mc:AlternateContent xmlns:mc="http://schemas.openxmlformats.org/markup-compatibility/2006">
-          <mc:Choice xmlns:p14="http://schemas.microsoft.com/office/powerpoint/2010/main" Requires="p14">
+        <mc:AlternateContent xmlns:mc="http://schemas.openxmlformats.org/markup-compatibility/2006" xmlns:p14="http://schemas.microsoft.com/office/powerpoint/2010/main">
+          <mc:Choice Requires="p14">
             <p:contentPart p14:bwMode="auto" r:id="rId19">
               <p14:nvContentPartPr>
                 <p14:cNvPr id="21" name="Ink 20">
@@ -8213,7 +8226,7 @@
               </p14:xfrm>
             </p:contentPart>
           </mc:Choice>
-          <mc:Fallback>
+          <mc:Fallback xmlns="">
             <p:pic>
               <p:nvPicPr>
                 <p:cNvPr id="21" name="Ink 20">
@@ -8244,8 +8257,8 @@
             </p:pic>
           </mc:Fallback>
         </mc:AlternateContent>
-        <mc:AlternateContent xmlns:mc="http://schemas.openxmlformats.org/markup-compatibility/2006">
-          <mc:Choice xmlns:p14="http://schemas.microsoft.com/office/powerpoint/2010/main" Requires="p14">
+        <mc:AlternateContent xmlns:mc="http://schemas.openxmlformats.org/markup-compatibility/2006" xmlns:p14="http://schemas.microsoft.com/office/powerpoint/2010/main">
+          <mc:Choice Requires="p14">
             <p:contentPart p14:bwMode="auto" r:id="rId21">
               <p14:nvContentPartPr>
                 <p14:cNvPr id="22" name="Ink 21">
@@ -8264,7 +8277,7 @@
               </p14:xfrm>
             </p:contentPart>
           </mc:Choice>
-          <mc:Fallback>
+          <mc:Fallback xmlns="">
             <p:pic>
               <p:nvPicPr>
                 <p:cNvPr id="22" name="Ink 21">
@@ -8295,8 +8308,8 @@
             </p:pic>
           </mc:Fallback>
         </mc:AlternateContent>
-        <mc:AlternateContent xmlns:mc="http://schemas.openxmlformats.org/markup-compatibility/2006">
-          <mc:Choice xmlns:p14="http://schemas.microsoft.com/office/powerpoint/2010/main" Requires="p14">
+        <mc:AlternateContent xmlns:mc="http://schemas.openxmlformats.org/markup-compatibility/2006" xmlns:p14="http://schemas.microsoft.com/office/powerpoint/2010/main">
+          <mc:Choice Requires="p14">
             <p:contentPart p14:bwMode="auto" r:id="rId23">
               <p14:nvContentPartPr>
                 <p14:cNvPr id="24" name="Ink 23">
@@ -8315,7 +8328,7 @@
               </p14:xfrm>
             </p:contentPart>
           </mc:Choice>
-          <mc:Fallback>
+          <mc:Fallback xmlns="">
             <p:pic>
               <p:nvPicPr>
                 <p:cNvPr id="24" name="Ink 23">
@@ -8346,8 +8359,8 @@
             </p:pic>
           </mc:Fallback>
         </mc:AlternateContent>
-        <mc:AlternateContent xmlns:mc="http://schemas.openxmlformats.org/markup-compatibility/2006">
-          <mc:Choice xmlns:p14="http://schemas.microsoft.com/office/powerpoint/2010/main" Requires="p14">
+        <mc:AlternateContent xmlns:mc="http://schemas.openxmlformats.org/markup-compatibility/2006" xmlns:p14="http://schemas.microsoft.com/office/powerpoint/2010/main">
+          <mc:Choice Requires="p14">
             <p:contentPart p14:bwMode="auto" r:id="rId25">
               <p14:nvContentPartPr>
                 <p14:cNvPr id="26" name="Ink 25">
@@ -8366,7 +8379,7 @@
               </p14:xfrm>
             </p:contentPart>
           </mc:Choice>
-          <mc:Fallback>
+          <mc:Fallback xmlns="">
             <p:pic>
               <p:nvPicPr>
                 <p:cNvPr id="26" name="Ink 25">
@@ -8397,8 +8410,8 @@
             </p:pic>
           </mc:Fallback>
         </mc:AlternateContent>
-        <mc:AlternateContent xmlns:mc="http://schemas.openxmlformats.org/markup-compatibility/2006">
-          <mc:Choice xmlns:p14="http://schemas.microsoft.com/office/powerpoint/2010/main" Requires="p14">
+        <mc:AlternateContent xmlns:mc="http://schemas.openxmlformats.org/markup-compatibility/2006" xmlns:p14="http://schemas.microsoft.com/office/powerpoint/2010/main">
+          <mc:Choice Requires="p14">
             <p:contentPart p14:bwMode="auto" r:id="rId27">
               <p14:nvContentPartPr>
                 <p14:cNvPr id="27" name="Ink 26">
@@ -8417,7 +8430,7 @@
               </p14:xfrm>
             </p:contentPart>
           </mc:Choice>
-          <mc:Fallback>
+          <mc:Fallback xmlns="">
             <p:pic>
               <p:nvPicPr>
                 <p:cNvPr id="27" name="Ink 26">
@@ -8448,8 +8461,8 @@
             </p:pic>
           </mc:Fallback>
         </mc:AlternateContent>
-        <mc:AlternateContent xmlns:mc="http://schemas.openxmlformats.org/markup-compatibility/2006">
-          <mc:Choice xmlns:p14="http://schemas.microsoft.com/office/powerpoint/2010/main" Requires="p14">
+        <mc:AlternateContent xmlns:mc="http://schemas.openxmlformats.org/markup-compatibility/2006" xmlns:p14="http://schemas.microsoft.com/office/powerpoint/2010/main">
+          <mc:Choice Requires="p14">
             <p:contentPart p14:bwMode="auto" r:id="rId29">
               <p14:nvContentPartPr>
                 <p14:cNvPr id="28" name="Ink 27">
@@ -8468,7 +8481,7 @@
               </p14:xfrm>
             </p:contentPart>
           </mc:Choice>
-          <mc:Fallback>
+          <mc:Fallback xmlns="">
             <p:pic>
               <p:nvPicPr>
                 <p:cNvPr id="28" name="Ink 27">
@@ -9001,8 +9014,8 @@
             <a:chExt cx="213840" cy="243360"/>
           </a:xfrm>
         </p:grpSpPr>
-        <mc:AlternateContent xmlns:mc="http://schemas.openxmlformats.org/markup-compatibility/2006">
-          <mc:Choice xmlns:p14="http://schemas.microsoft.com/office/powerpoint/2010/main" Requires="p14">
+        <mc:AlternateContent xmlns:mc="http://schemas.openxmlformats.org/markup-compatibility/2006" xmlns:p14="http://schemas.microsoft.com/office/powerpoint/2010/main">
+          <mc:Choice Requires="p14">
             <p:contentPart p14:bwMode="auto" r:id="rId3">
               <p14:nvContentPartPr>
                 <p14:cNvPr id="16" name="Ink 15">
@@ -9021,7 +9034,7 @@
               </p14:xfrm>
             </p:contentPart>
           </mc:Choice>
-          <mc:Fallback>
+          <mc:Fallback xmlns="">
             <p:pic>
               <p:nvPicPr>
                 <p:cNvPr id="16" name="Ink 15">
@@ -9052,8 +9065,8 @@
             </p:pic>
           </mc:Fallback>
         </mc:AlternateContent>
-        <mc:AlternateContent xmlns:mc="http://schemas.openxmlformats.org/markup-compatibility/2006">
-          <mc:Choice xmlns:p14="http://schemas.microsoft.com/office/powerpoint/2010/main" Requires="p14">
+        <mc:AlternateContent xmlns:mc="http://schemas.openxmlformats.org/markup-compatibility/2006" xmlns:p14="http://schemas.microsoft.com/office/powerpoint/2010/main">
+          <mc:Choice Requires="p14">
             <p:contentPart p14:bwMode="auto" r:id="rId5">
               <p14:nvContentPartPr>
                 <p14:cNvPr id="18" name="Ink 17">
@@ -9072,7 +9085,7 @@
               </p14:xfrm>
             </p:contentPart>
           </mc:Choice>
-          <mc:Fallback>
+          <mc:Fallback xmlns="">
             <p:pic>
               <p:nvPicPr>
                 <p:cNvPr id="18" name="Ink 17">
@@ -9104,8 +9117,8 @@
           </mc:Fallback>
         </mc:AlternateContent>
       </p:grpSp>
-      <mc:AlternateContent xmlns:mc="http://schemas.openxmlformats.org/markup-compatibility/2006">
-        <mc:Choice xmlns:p14="http://schemas.microsoft.com/office/powerpoint/2010/main" Requires="p14">
+      <mc:AlternateContent xmlns:mc="http://schemas.openxmlformats.org/markup-compatibility/2006" xmlns:p14="http://schemas.microsoft.com/office/powerpoint/2010/main">
+        <mc:Choice Requires="p14">
           <p:contentPart p14:bwMode="auto" r:id="rId7">
             <p14:nvContentPartPr>
               <p14:cNvPr id="20" name="Ink 19">
@@ -9124,7 +9137,7 @@
             </p14:xfrm>
           </p:contentPart>
         </mc:Choice>
-        <mc:Fallback>
+        <mc:Fallback xmlns="">
           <p:pic>
             <p:nvPicPr>
               <p:cNvPr id="20" name="Ink 19">
@@ -9155,8 +9168,8 @@
           </p:pic>
         </mc:Fallback>
       </mc:AlternateContent>
-      <mc:AlternateContent xmlns:mc="http://schemas.openxmlformats.org/markup-compatibility/2006">
-        <mc:Choice xmlns:p14="http://schemas.microsoft.com/office/powerpoint/2010/main" Requires="p14">
+      <mc:AlternateContent xmlns:mc="http://schemas.openxmlformats.org/markup-compatibility/2006" xmlns:p14="http://schemas.microsoft.com/office/powerpoint/2010/main">
+        <mc:Choice Requires="p14">
           <p:contentPart p14:bwMode="auto" r:id="rId9">
             <p14:nvContentPartPr>
               <p14:cNvPr id="21" name="Ink 20">
@@ -9175,7 +9188,7 @@
             </p14:xfrm>
           </p:contentPart>
         </mc:Choice>
-        <mc:Fallback>
+        <mc:Fallback xmlns="">
           <p:pic>
             <p:nvPicPr>
               <p:cNvPr id="21" name="Ink 20">
@@ -9471,8 +9484,8 @@
           </a:p>
         </p:txBody>
       </p:sp>
-      <mc:AlternateContent xmlns:mc="http://schemas.openxmlformats.org/markup-compatibility/2006">
-        <mc:Choice xmlns:p14="http://schemas.microsoft.com/office/powerpoint/2010/main" Requires="p14">
+      <mc:AlternateContent xmlns:mc="http://schemas.openxmlformats.org/markup-compatibility/2006" xmlns:p14="http://schemas.microsoft.com/office/powerpoint/2010/main">
+        <mc:Choice Requires="p14">
           <p:contentPart p14:bwMode="auto" r:id="rId3">
             <p14:nvContentPartPr>
               <p14:cNvPr id="9" name="Ink 8">
@@ -9491,7 +9504,7 @@
             </p14:xfrm>
           </p:contentPart>
         </mc:Choice>
-        <mc:Fallback>
+        <mc:Fallback xmlns="">
           <p:pic>
             <p:nvPicPr>
               <p:cNvPr id="9" name="Ink 8">
@@ -9923,8 +9936,8 @@
           </a:p>
         </p:txBody>
       </p:sp>
-      <mc:AlternateContent xmlns:mc="http://schemas.openxmlformats.org/markup-compatibility/2006">
-        <mc:Choice xmlns:p14="http://schemas.microsoft.com/office/powerpoint/2010/main" Requires="p14">
+      <mc:AlternateContent xmlns:mc="http://schemas.openxmlformats.org/markup-compatibility/2006" xmlns:p14="http://schemas.microsoft.com/office/powerpoint/2010/main">
+        <mc:Choice Requires="p14">
           <p:contentPart p14:bwMode="auto" r:id="rId5">
             <p14:nvContentPartPr>
               <p14:cNvPr id="20" name="Ink 19">
@@ -9943,7 +9956,7 @@
             </p14:xfrm>
           </p:contentPart>
         </mc:Choice>
-        <mc:Fallback>
+        <mc:Fallback xmlns="">
           <p:pic>
             <p:nvPicPr>
               <p:cNvPr id="20" name="Ink 19">
@@ -10217,8 +10230,8 @@
           </a:xfrm>
         </p:spPr>
       </p:pic>
-      <mc:AlternateContent xmlns:mc="http://schemas.openxmlformats.org/markup-compatibility/2006">
-        <mc:Choice xmlns:p14="http://schemas.microsoft.com/office/powerpoint/2010/main" Requires="p14">
+      <mc:AlternateContent xmlns:mc="http://schemas.openxmlformats.org/markup-compatibility/2006" xmlns:p14="http://schemas.microsoft.com/office/powerpoint/2010/main">
+        <mc:Choice Requires="p14">
           <p:contentPart p14:bwMode="auto" r:id="rId3">
             <p14:nvContentPartPr>
               <p14:cNvPr id="4" name="Ink 3">
@@ -10237,7 +10250,7 @@
             </p14:xfrm>
           </p:contentPart>
         </mc:Choice>
-        <mc:Fallback>
+        <mc:Fallback xmlns="">
           <p:pic>
             <p:nvPicPr>
               <p:cNvPr id="4" name="Ink 3">
@@ -10268,8 +10281,8 @@
           </p:pic>
         </mc:Fallback>
       </mc:AlternateContent>
-      <mc:AlternateContent xmlns:mc="http://schemas.openxmlformats.org/markup-compatibility/2006">
-        <mc:Choice xmlns:p14="http://schemas.microsoft.com/office/powerpoint/2010/main" Requires="p14">
+      <mc:AlternateContent xmlns:mc="http://schemas.openxmlformats.org/markup-compatibility/2006" xmlns:p14="http://schemas.microsoft.com/office/powerpoint/2010/main">
+        <mc:Choice Requires="p14">
           <p:contentPart p14:bwMode="auto" r:id="rId5">
             <p14:nvContentPartPr>
               <p14:cNvPr id="7" name="Ink 6">
@@ -10288,7 +10301,7 @@
             </p14:xfrm>
           </p:contentPart>
         </mc:Choice>
-        <mc:Fallback>
+        <mc:Fallback xmlns="">
           <p:pic>
             <p:nvPicPr>
               <p:cNvPr id="7" name="Ink 6">
@@ -10319,8 +10332,8 @@
           </p:pic>
         </mc:Fallback>
       </mc:AlternateContent>
-      <mc:AlternateContent xmlns:mc="http://schemas.openxmlformats.org/markup-compatibility/2006">
-        <mc:Choice xmlns:p14="http://schemas.microsoft.com/office/powerpoint/2010/main" Requires="p14">
+      <mc:AlternateContent xmlns:mc="http://schemas.openxmlformats.org/markup-compatibility/2006" xmlns:p14="http://schemas.microsoft.com/office/powerpoint/2010/main">
+        <mc:Choice Requires="p14">
           <p:contentPart p14:bwMode="auto" r:id="rId6">
             <p14:nvContentPartPr>
               <p14:cNvPr id="8" name="Ink 7">
@@ -10339,7 +10352,7 @@
             </p14:xfrm>
           </p:contentPart>
         </mc:Choice>
-        <mc:Fallback>
+        <mc:Fallback xmlns="">
           <p:pic>
             <p:nvPicPr>
               <p:cNvPr id="8" name="Ink 7">
@@ -10370,8 +10383,8 @@
           </p:pic>
         </mc:Fallback>
       </mc:AlternateContent>
-      <mc:AlternateContent xmlns:mc="http://schemas.openxmlformats.org/markup-compatibility/2006">
-        <mc:Choice xmlns:p14="http://schemas.microsoft.com/office/powerpoint/2010/main" Requires="p14">
+      <mc:AlternateContent xmlns:mc="http://schemas.openxmlformats.org/markup-compatibility/2006" xmlns:p14="http://schemas.microsoft.com/office/powerpoint/2010/main">
+        <mc:Choice Requires="p14">
           <p:contentPart p14:bwMode="auto" r:id="rId7">
             <p14:nvContentPartPr>
               <p14:cNvPr id="9" name="Ink 8">
@@ -10390,7 +10403,7 @@
             </p14:xfrm>
           </p:contentPart>
         </mc:Choice>
-        <mc:Fallback>
+        <mc:Fallback xmlns="">
           <p:pic>
             <p:nvPicPr>
               <p:cNvPr id="9" name="Ink 8">
@@ -10421,8 +10434,8 @@
           </p:pic>
         </mc:Fallback>
       </mc:AlternateContent>
-      <mc:AlternateContent xmlns:mc="http://schemas.openxmlformats.org/markup-compatibility/2006">
-        <mc:Choice xmlns:p14="http://schemas.microsoft.com/office/powerpoint/2010/main" Requires="p14">
+      <mc:AlternateContent xmlns:mc="http://schemas.openxmlformats.org/markup-compatibility/2006" xmlns:p14="http://schemas.microsoft.com/office/powerpoint/2010/main">
+        <mc:Choice Requires="p14">
           <p:contentPart p14:bwMode="auto" r:id="rId8">
             <p14:nvContentPartPr>
               <p14:cNvPr id="10" name="Ink 9">
@@ -10441,7 +10454,7 @@
             </p14:xfrm>
           </p:contentPart>
         </mc:Choice>
-        <mc:Fallback>
+        <mc:Fallback xmlns="">
           <p:pic>
             <p:nvPicPr>
               <p:cNvPr id="10" name="Ink 9">
@@ -10472,8 +10485,8 @@
           </p:pic>
         </mc:Fallback>
       </mc:AlternateContent>
-      <mc:AlternateContent xmlns:mc="http://schemas.openxmlformats.org/markup-compatibility/2006">
-        <mc:Choice xmlns:p14="http://schemas.microsoft.com/office/powerpoint/2010/main" Requires="p14">
+      <mc:AlternateContent xmlns:mc="http://schemas.openxmlformats.org/markup-compatibility/2006" xmlns:p14="http://schemas.microsoft.com/office/powerpoint/2010/main">
+        <mc:Choice Requires="p14">
           <p:contentPart p14:bwMode="auto" r:id="rId10">
             <p14:nvContentPartPr>
               <p14:cNvPr id="11" name="Ink 10">
@@ -10492,7 +10505,7 @@
             </p14:xfrm>
           </p:contentPart>
         </mc:Choice>
-        <mc:Fallback>
+        <mc:Fallback xmlns="">
           <p:pic>
             <p:nvPicPr>
               <p:cNvPr id="11" name="Ink 10">
@@ -10523,8 +10536,8 @@
           </p:pic>
         </mc:Fallback>
       </mc:AlternateContent>
-      <mc:AlternateContent xmlns:mc="http://schemas.openxmlformats.org/markup-compatibility/2006">
-        <mc:Choice xmlns:p14="http://schemas.microsoft.com/office/powerpoint/2010/main" Requires="p14">
+      <mc:AlternateContent xmlns:mc="http://schemas.openxmlformats.org/markup-compatibility/2006" xmlns:p14="http://schemas.microsoft.com/office/powerpoint/2010/main">
+        <mc:Choice Requires="p14">
           <p:contentPart p14:bwMode="auto" r:id="rId12">
             <p14:nvContentPartPr>
               <p14:cNvPr id="12" name="Ink 11">
@@ -10543,7 +10556,7 @@
             </p14:xfrm>
           </p:contentPart>
         </mc:Choice>
-        <mc:Fallback>
+        <mc:Fallback xmlns="">
           <p:pic>
             <p:nvPicPr>
               <p:cNvPr id="12" name="Ink 11">
@@ -10804,8 +10817,8 @@
           </a:prstGeom>
         </p:spPr>
       </p:pic>
-      <mc:AlternateContent xmlns:mc="http://schemas.openxmlformats.org/markup-compatibility/2006">
-        <mc:Choice xmlns:p14="http://schemas.microsoft.com/office/powerpoint/2010/main" Requires="p14">
+      <mc:AlternateContent xmlns:mc="http://schemas.openxmlformats.org/markup-compatibility/2006" xmlns:p14="http://schemas.microsoft.com/office/powerpoint/2010/main">
+        <mc:Choice Requires="p14">
           <p:contentPart p14:bwMode="auto" r:id="rId4">
             <p14:nvContentPartPr>
               <p14:cNvPr id="4" name="Ink 3">
@@ -10824,7 +10837,7 @@
             </p14:xfrm>
           </p:contentPart>
         </mc:Choice>
-        <mc:Fallback>
+        <mc:Fallback xmlns="">
           <p:pic>
             <p:nvPicPr>
               <p:cNvPr id="4" name="Ink 3">
@@ -10855,8 +10868,8 @@
           </p:pic>
         </mc:Fallback>
       </mc:AlternateContent>
-      <mc:AlternateContent xmlns:mc="http://schemas.openxmlformats.org/markup-compatibility/2006">
-        <mc:Choice xmlns:p14="http://schemas.microsoft.com/office/powerpoint/2010/main" Requires="p14">
+      <mc:AlternateContent xmlns:mc="http://schemas.openxmlformats.org/markup-compatibility/2006" xmlns:p14="http://schemas.microsoft.com/office/powerpoint/2010/main">
+        <mc:Choice Requires="p14">
           <p:contentPart p14:bwMode="auto" r:id="rId6">
             <p14:nvContentPartPr>
               <p14:cNvPr id="6" name="Ink 5">
@@ -10875,7 +10888,7 @@
             </p14:xfrm>
           </p:contentPart>
         </mc:Choice>
-        <mc:Fallback>
+        <mc:Fallback xmlns="">
           <p:pic>
             <p:nvPicPr>
               <p:cNvPr id="6" name="Ink 5">
@@ -10906,8 +10919,8 @@
           </p:pic>
         </mc:Fallback>
       </mc:AlternateContent>
-      <mc:AlternateContent xmlns:mc="http://schemas.openxmlformats.org/markup-compatibility/2006">
-        <mc:Choice xmlns:p14="http://schemas.microsoft.com/office/powerpoint/2010/main" Requires="p14">
+      <mc:AlternateContent xmlns:mc="http://schemas.openxmlformats.org/markup-compatibility/2006" xmlns:p14="http://schemas.microsoft.com/office/powerpoint/2010/main">
+        <mc:Choice Requires="p14">
           <p:contentPart p14:bwMode="auto" r:id="rId8">
             <p14:nvContentPartPr>
               <p14:cNvPr id="7" name="Ink 6">
@@ -10926,7 +10939,7 @@
             </p14:xfrm>
           </p:contentPart>
         </mc:Choice>
-        <mc:Fallback>
+        <mc:Fallback xmlns="">
           <p:pic>
             <p:nvPicPr>
               <p:cNvPr id="7" name="Ink 6">
@@ -10957,8 +10970,8 @@
           </p:pic>
         </mc:Fallback>
       </mc:AlternateContent>
-      <mc:AlternateContent xmlns:mc="http://schemas.openxmlformats.org/markup-compatibility/2006">
-        <mc:Choice xmlns:p14="http://schemas.microsoft.com/office/powerpoint/2010/main" Requires="p14">
+      <mc:AlternateContent xmlns:mc="http://schemas.openxmlformats.org/markup-compatibility/2006" xmlns:p14="http://schemas.microsoft.com/office/powerpoint/2010/main">
+        <mc:Choice Requires="p14">
           <p:contentPart p14:bwMode="auto" r:id="rId10">
             <p14:nvContentPartPr>
               <p14:cNvPr id="10" name="Ink 9">
@@ -10977,7 +10990,7 @@
             </p14:xfrm>
           </p:contentPart>
         </mc:Choice>
-        <mc:Fallback>
+        <mc:Fallback xmlns="">
           <p:pic>
             <p:nvPicPr>
               <p:cNvPr id="10" name="Ink 9">
@@ -11008,8 +11021,8 @@
           </p:pic>
         </mc:Fallback>
       </mc:AlternateContent>
-      <mc:AlternateContent xmlns:mc="http://schemas.openxmlformats.org/markup-compatibility/2006">
-        <mc:Choice xmlns:p14="http://schemas.microsoft.com/office/powerpoint/2010/main" Requires="p14">
+      <mc:AlternateContent xmlns:mc="http://schemas.openxmlformats.org/markup-compatibility/2006" xmlns:p14="http://schemas.microsoft.com/office/powerpoint/2010/main">
+        <mc:Choice Requires="p14">
           <p:contentPart p14:bwMode="auto" r:id="rId12">
             <p14:nvContentPartPr>
               <p14:cNvPr id="12" name="Ink 11">
@@ -11028,7 +11041,7 @@
             </p14:xfrm>
           </p:contentPart>
         </mc:Choice>
-        <mc:Fallback>
+        <mc:Fallback xmlns="">
           <p:pic>
             <p:nvPicPr>
               <p:cNvPr id="12" name="Ink 11">
@@ -11059,8 +11072,8 @@
           </p:pic>
         </mc:Fallback>
       </mc:AlternateContent>
-      <mc:AlternateContent xmlns:mc="http://schemas.openxmlformats.org/markup-compatibility/2006">
-        <mc:Choice xmlns:p14="http://schemas.microsoft.com/office/powerpoint/2010/main" Requires="p14">
+      <mc:AlternateContent xmlns:mc="http://schemas.openxmlformats.org/markup-compatibility/2006" xmlns:p14="http://schemas.microsoft.com/office/powerpoint/2010/main">
+        <mc:Choice Requires="p14">
           <p:contentPart p14:bwMode="auto" r:id="rId14">
             <p14:nvContentPartPr>
               <p14:cNvPr id="13" name="Ink 12">
@@ -11079,7 +11092,7 @@
             </p14:xfrm>
           </p:contentPart>
         </mc:Choice>
-        <mc:Fallback>
+        <mc:Fallback xmlns="">
           <p:pic>
             <p:nvPicPr>
               <p:cNvPr id="13" name="Ink 12">
@@ -11110,8 +11123,8 @@
           </p:pic>
         </mc:Fallback>
       </mc:AlternateContent>
-      <mc:AlternateContent xmlns:mc="http://schemas.openxmlformats.org/markup-compatibility/2006">
-        <mc:Choice xmlns:p14="http://schemas.microsoft.com/office/powerpoint/2010/main" Requires="p14">
+      <mc:AlternateContent xmlns:mc="http://schemas.openxmlformats.org/markup-compatibility/2006" xmlns:p14="http://schemas.microsoft.com/office/powerpoint/2010/main">
+        <mc:Choice Requires="p14">
           <p:contentPart p14:bwMode="auto" r:id="rId16">
             <p14:nvContentPartPr>
               <p14:cNvPr id="14" name="Ink 13">
@@ -11130,7 +11143,7 @@
             </p14:xfrm>
           </p:contentPart>
         </mc:Choice>
-        <mc:Fallback>
+        <mc:Fallback xmlns="">
           <p:pic>
             <p:nvPicPr>
               <p:cNvPr id="14" name="Ink 13">
@@ -12201,8 +12214,8 @@
           </a:p>
         </p:txBody>
       </p:sp>
-      <mc:AlternateContent xmlns:mc="http://schemas.openxmlformats.org/markup-compatibility/2006">
-        <mc:Choice xmlns:p14="http://schemas.microsoft.com/office/powerpoint/2010/main" Requires="p14">
+      <mc:AlternateContent xmlns:mc="http://schemas.openxmlformats.org/markup-compatibility/2006" xmlns:p14="http://schemas.microsoft.com/office/powerpoint/2010/main">
+        <mc:Choice Requires="p14">
           <p:contentPart p14:bwMode="auto" r:id="rId2">
             <p14:nvContentPartPr>
               <p14:cNvPr id="4" name="Ink 3">
@@ -12221,7 +12234,7 @@
             </p14:xfrm>
           </p:contentPart>
         </mc:Choice>
-        <mc:Fallback>
+        <mc:Fallback xmlns="">
           <p:pic>
             <p:nvPicPr>
               <p:cNvPr id="4" name="Ink 3">
@@ -12252,8 +12265,8 @@
           </p:pic>
         </mc:Fallback>
       </mc:AlternateContent>
-      <mc:AlternateContent xmlns:mc="http://schemas.openxmlformats.org/markup-compatibility/2006">
-        <mc:Choice xmlns:p14="http://schemas.microsoft.com/office/powerpoint/2010/main" Requires="p14">
+      <mc:AlternateContent xmlns:mc="http://schemas.openxmlformats.org/markup-compatibility/2006" xmlns:p14="http://schemas.microsoft.com/office/powerpoint/2010/main">
+        <mc:Choice Requires="p14">
           <p:contentPart p14:bwMode="auto" r:id="rId4">
             <p14:nvContentPartPr>
               <p14:cNvPr id="7" name="Ink 6">
@@ -12272,7 +12285,7 @@
             </p14:xfrm>
           </p:contentPart>
         </mc:Choice>
-        <mc:Fallback>
+        <mc:Fallback xmlns="">
           <p:pic>
             <p:nvPicPr>
               <p:cNvPr id="7" name="Ink 6">
@@ -12303,8 +12316,8 @@
           </p:pic>
         </mc:Fallback>
       </mc:AlternateContent>
-      <mc:AlternateContent xmlns:mc="http://schemas.openxmlformats.org/markup-compatibility/2006">
-        <mc:Choice xmlns:p14="http://schemas.microsoft.com/office/powerpoint/2010/main" Requires="p14">
+      <mc:AlternateContent xmlns:mc="http://schemas.openxmlformats.org/markup-compatibility/2006" xmlns:p14="http://schemas.microsoft.com/office/powerpoint/2010/main">
+        <mc:Choice Requires="p14">
           <p:contentPart p14:bwMode="auto" r:id="rId6">
             <p14:nvContentPartPr>
               <p14:cNvPr id="8" name="Ink 7">
@@ -12323,7 +12336,7 @@
             </p14:xfrm>
           </p:contentPart>
         </mc:Choice>
-        <mc:Fallback>
+        <mc:Fallback xmlns="">
           <p:pic>
             <p:nvPicPr>
               <p:cNvPr id="8" name="Ink 7">
@@ -12354,8 +12367,8 @@
           </p:pic>
         </mc:Fallback>
       </mc:AlternateContent>
-      <mc:AlternateContent xmlns:mc="http://schemas.openxmlformats.org/markup-compatibility/2006">
-        <mc:Choice xmlns:p14="http://schemas.microsoft.com/office/powerpoint/2010/main" Requires="p14">
+      <mc:AlternateContent xmlns:mc="http://schemas.openxmlformats.org/markup-compatibility/2006" xmlns:p14="http://schemas.microsoft.com/office/powerpoint/2010/main">
+        <mc:Choice Requires="p14">
           <p:contentPart p14:bwMode="auto" r:id="rId8">
             <p14:nvContentPartPr>
               <p14:cNvPr id="9" name="Ink 8">
@@ -12374,7 +12387,7 @@
             </p14:xfrm>
           </p:contentPart>
         </mc:Choice>
-        <mc:Fallback>
+        <mc:Fallback xmlns="">
           <p:pic>
             <p:nvPicPr>
               <p:cNvPr id="9" name="Ink 8">
@@ -12405,8 +12418,8 @@
           </p:pic>
         </mc:Fallback>
       </mc:AlternateContent>
-      <mc:AlternateContent xmlns:mc="http://schemas.openxmlformats.org/markup-compatibility/2006">
-        <mc:Choice xmlns:p14="http://schemas.microsoft.com/office/powerpoint/2010/main" Requires="p14">
+      <mc:AlternateContent xmlns:mc="http://schemas.openxmlformats.org/markup-compatibility/2006" xmlns:p14="http://schemas.microsoft.com/office/powerpoint/2010/main">
+        <mc:Choice Requires="p14">
           <p:contentPart p14:bwMode="auto" r:id="rId10">
             <p14:nvContentPartPr>
               <p14:cNvPr id="10" name="Ink 9">
@@ -12425,7 +12438,7 @@
             </p14:xfrm>
           </p:contentPart>
         </mc:Choice>
-        <mc:Fallback>
+        <mc:Fallback xmlns="">
           <p:pic>
             <p:nvPicPr>
               <p:cNvPr id="10" name="Ink 9">
@@ -12456,8 +12469,8 @@
           </p:pic>
         </mc:Fallback>
       </mc:AlternateContent>
-      <mc:AlternateContent xmlns:mc="http://schemas.openxmlformats.org/markup-compatibility/2006">
-        <mc:Choice xmlns:p14="http://schemas.microsoft.com/office/powerpoint/2010/main" Requires="p14">
+      <mc:AlternateContent xmlns:mc="http://schemas.openxmlformats.org/markup-compatibility/2006" xmlns:p14="http://schemas.microsoft.com/office/powerpoint/2010/main">
+        <mc:Choice Requires="p14">
           <p:contentPart p14:bwMode="auto" r:id="rId12">
             <p14:nvContentPartPr>
               <p14:cNvPr id="11" name="Ink 10">
@@ -12476,7 +12489,7 @@
             </p14:xfrm>
           </p:contentPart>
         </mc:Choice>
-        <mc:Fallback>
+        <mc:Fallback xmlns="">
           <p:pic>
             <p:nvPicPr>
               <p:cNvPr id="11" name="Ink 10">
@@ -12507,8 +12520,8 @@
           </p:pic>
         </mc:Fallback>
       </mc:AlternateContent>
-      <mc:AlternateContent xmlns:mc="http://schemas.openxmlformats.org/markup-compatibility/2006">
-        <mc:Choice xmlns:p14="http://schemas.microsoft.com/office/powerpoint/2010/main" Requires="p14">
+      <mc:AlternateContent xmlns:mc="http://schemas.openxmlformats.org/markup-compatibility/2006" xmlns:p14="http://schemas.microsoft.com/office/powerpoint/2010/main">
+        <mc:Choice Requires="p14">
           <p:contentPart p14:bwMode="auto" r:id="rId14">
             <p14:nvContentPartPr>
               <p14:cNvPr id="29" name="Ink 28">
@@ -12527,7 +12540,7 @@
             </p14:xfrm>
           </p:contentPart>
         </mc:Choice>
-        <mc:Fallback>
+        <mc:Fallback xmlns="">
           <p:pic>
             <p:nvPicPr>
               <p:cNvPr id="29" name="Ink 28">
@@ -12578,8 +12591,8 @@
             <a:chExt cx="1527840" cy="1155240"/>
           </a:xfrm>
         </p:grpSpPr>
-        <mc:AlternateContent xmlns:mc="http://schemas.openxmlformats.org/markup-compatibility/2006">
-          <mc:Choice xmlns:p14="http://schemas.microsoft.com/office/powerpoint/2010/main" Requires="p14">
+        <mc:AlternateContent xmlns:mc="http://schemas.openxmlformats.org/markup-compatibility/2006" xmlns:p14="http://schemas.microsoft.com/office/powerpoint/2010/main">
+          <mc:Choice Requires="p14">
             <p:contentPart p14:bwMode="auto" r:id="rId16">
               <p14:nvContentPartPr>
                 <p14:cNvPr id="13" name="Ink 12">
@@ -12598,7 +12611,7 @@
               </p14:xfrm>
             </p:contentPart>
           </mc:Choice>
-          <mc:Fallback>
+          <mc:Fallback xmlns="">
             <p:pic>
               <p:nvPicPr>
                 <p:cNvPr id="13" name="Ink 12">
@@ -12629,8 +12642,8 @@
             </p:pic>
           </mc:Fallback>
         </mc:AlternateContent>
-        <mc:AlternateContent xmlns:mc="http://schemas.openxmlformats.org/markup-compatibility/2006">
-          <mc:Choice xmlns:p14="http://schemas.microsoft.com/office/powerpoint/2010/main" Requires="p14">
+        <mc:AlternateContent xmlns:mc="http://schemas.openxmlformats.org/markup-compatibility/2006" xmlns:p14="http://schemas.microsoft.com/office/powerpoint/2010/main">
+          <mc:Choice Requires="p14">
             <p:contentPart p14:bwMode="auto" r:id="rId18">
               <p14:nvContentPartPr>
                 <p14:cNvPr id="14" name="Ink 13">
@@ -12649,7 +12662,7 @@
               </p14:xfrm>
             </p:contentPart>
           </mc:Choice>
-          <mc:Fallback>
+          <mc:Fallback xmlns="">
             <p:pic>
               <p:nvPicPr>
                 <p:cNvPr id="14" name="Ink 13">
@@ -12680,8 +12693,8 @@
             </p:pic>
           </mc:Fallback>
         </mc:AlternateContent>
-        <mc:AlternateContent xmlns:mc="http://schemas.openxmlformats.org/markup-compatibility/2006">
-          <mc:Choice xmlns:p14="http://schemas.microsoft.com/office/powerpoint/2010/main" Requires="p14">
+        <mc:AlternateContent xmlns:mc="http://schemas.openxmlformats.org/markup-compatibility/2006" xmlns:p14="http://schemas.microsoft.com/office/powerpoint/2010/main">
+          <mc:Choice Requires="p14">
             <p:contentPart p14:bwMode="auto" r:id="rId20">
               <p14:nvContentPartPr>
                 <p14:cNvPr id="16" name="Ink 15">
@@ -12700,7 +12713,7 @@
               </p14:xfrm>
             </p:contentPart>
           </mc:Choice>
-          <mc:Fallback>
+          <mc:Fallback xmlns="">
             <p:pic>
               <p:nvPicPr>
                 <p:cNvPr id="16" name="Ink 15">
@@ -12731,8 +12744,8 @@
             </p:pic>
           </mc:Fallback>
         </mc:AlternateContent>
-        <mc:AlternateContent xmlns:mc="http://schemas.openxmlformats.org/markup-compatibility/2006">
-          <mc:Choice xmlns:p14="http://schemas.microsoft.com/office/powerpoint/2010/main" Requires="p14">
+        <mc:AlternateContent xmlns:mc="http://schemas.openxmlformats.org/markup-compatibility/2006" xmlns:p14="http://schemas.microsoft.com/office/powerpoint/2010/main">
+          <mc:Choice Requires="p14">
             <p:contentPart p14:bwMode="auto" r:id="rId22">
               <p14:nvContentPartPr>
                 <p14:cNvPr id="18" name="Ink 17">
@@ -12751,7 +12764,7 @@
               </p14:xfrm>
             </p:contentPart>
           </mc:Choice>
-          <mc:Fallback>
+          <mc:Fallback xmlns="">
             <p:pic>
               <p:nvPicPr>
                 <p:cNvPr id="18" name="Ink 17">
@@ -12782,8 +12795,8 @@
             </p:pic>
           </mc:Fallback>
         </mc:AlternateContent>
-        <mc:AlternateContent xmlns:mc="http://schemas.openxmlformats.org/markup-compatibility/2006">
-          <mc:Choice xmlns:p14="http://schemas.microsoft.com/office/powerpoint/2010/main" Requires="p14">
+        <mc:AlternateContent xmlns:mc="http://schemas.openxmlformats.org/markup-compatibility/2006" xmlns:p14="http://schemas.microsoft.com/office/powerpoint/2010/main">
+          <mc:Choice Requires="p14">
             <p:contentPart p14:bwMode="auto" r:id="rId24">
               <p14:nvContentPartPr>
                 <p14:cNvPr id="20" name="Ink 19">
@@ -12802,7 +12815,7 @@
               </p14:xfrm>
             </p:contentPart>
           </mc:Choice>
-          <mc:Fallback>
+          <mc:Fallback xmlns="">
             <p:pic>
               <p:nvPicPr>
                 <p:cNvPr id="20" name="Ink 19">
@@ -12833,8 +12846,8 @@
             </p:pic>
           </mc:Fallback>
         </mc:AlternateContent>
-        <mc:AlternateContent xmlns:mc="http://schemas.openxmlformats.org/markup-compatibility/2006">
-          <mc:Choice xmlns:p14="http://schemas.microsoft.com/office/powerpoint/2010/main" Requires="p14">
+        <mc:AlternateContent xmlns:mc="http://schemas.openxmlformats.org/markup-compatibility/2006" xmlns:p14="http://schemas.microsoft.com/office/powerpoint/2010/main">
+          <mc:Choice Requires="p14">
             <p:contentPart p14:bwMode="auto" r:id="rId26">
               <p14:nvContentPartPr>
                 <p14:cNvPr id="21" name="Ink 20">
@@ -12853,7 +12866,7 @@
               </p14:xfrm>
             </p:contentPart>
           </mc:Choice>
-          <mc:Fallback>
+          <mc:Fallback xmlns="">
             <p:pic>
               <p:nvPicPr>
                 <p:cNvPr id="21" name="Ink 20">
@@ -12884,8 +12897,8 @@
             </p:pic>
           </mc:Fallback>
         </mc:AlternateContent>
-        <mc:AlternateContent xmlns:mc="http://schemas.openxmlformats.org/markup-compatibility/2006">
-          <mc:Choice xmlns:p14="http://schemas.microsoft.com/office/powerpoint/2010/main" Requires="p14">
+        <mc:AlternateContent xmlns:mc="http://schemas.openxmlformats.org/markup-compatibility/2006" xmlns:p14="http://schemas.microsoft.com/office/powerpoint/2010/main">
+          <mc:Choice Requires="p14">
             <p:contentPart p14:bwMode="auto" r:id="rId28">
               <p14:nvContentPartPr>
                 <p14:cNvPr id="23" name="Ink 22">
@@ -12904,7 +12917,7 @@
               </p14:xfrm>
             </p:contentPart>
           </mc:Choice>
-          <mc:Fallback>
+          <mc:Fallback xmlns="">
             <p:pic>
               <p:nvPicPr>
                 <p:cNvPr id="23" name="Ink 22">
@@ -12935,8 +12948,8 @@
             </p:pic>
           </mc:Fallback>
         </mc:AlternateContent>
-        <mc:AlternateContent xmlns:mc="http://schemas.openxmlformats.org/markup-compatibility/2006">
-          <mc:Choice xmlns:p14="http://schemas.microsoft.com/office/powerpoint/2010/main" Requires="p14">
+        <mc:AlternateContent xmlns:mc="http://schemas.openxmlformats.org/markup-compatibility/2006" xmlns:p14="http://schemas.microsoft.com/office/powerpoint/2010/main">
+          <mc:Choice Requires="p14">
             <p:contentPart p14:bwMode="auto" r:id="rId30">
               <p14:nvContentPartPr>
                 <p14:cNvPr id="25" name="Ink 24">
@@ -12955,7 +12968,7 @@
               </p14:xfrm>
             </p:contentPart>
           </mc:Choice>
-          <mc:Fallback>
+          <mc:Fallback xmlns="">
             <p:pic>
               <p:nvPicPr>
                 <p:cNvPr id="25" name="Ink 24">
@@ -12986,8 +12999,8 @@
             </p:pic>
           </mc:Fallback>
         </mc:AlternateContent>
-        <mc:AlternateContent xmlns:mc="http://schemas.openxmlformats.org/markup-compatibility/2006">
-          <mc:Choice xmlns:p14="http://schemas.microsoft.com/office/powerpoint/2010/main" Requires="p14">
+        <mc:AlternateContent xmlns:mc="http://schemas.openxmlformats.org/markup-compatibility/2006" xmlns:p14="http://schemas.microsoft.com/office/powerpoint/2010/main">
+          <mc:Choice Requires="p14">
             <p:contentPart p14:bwMode="auto" r:id="rId32">
               <p14:nvContentPartPr>
                 <p14:cNvPr id="27" name="Ink 26">
@@ -13006,7 +13019,7 @@
               </p14:xfrm>
             </p:contentPart>
           </mc:Choice>
-          <mc:Fallback>
+          <mc:Fallback xmlns="">
             <p:pic>
               <p:nvPicPr>
                 <p:cNvPr id="27" name="Ink 26">
@@ -13037,8 +13050,8 @@
             </p:pic>
           </mc:Fallback>
         </mc:AlternateContent>
-        <mc:AlternateContent xmlns:mc="http://schemas.openxmlformats.org/markup-compatibility/2006">
-          <mc:Choice xmlns:p14="http://schemas.microsoft.com/office/powerpoint/2010/main" Requires="p14">
+        <mc:AlternateContent xmlns:mc="http://schemas.openxmlformats.org/markup-compatibility/2006" xmlns:p14="http://schemas.microsoft.com/office/powerpoint/2010/main">
+          <mc:Choice Requires="p14">
             <p:contentPart p14:bwMode="auto" r:id="rId34">
               <p14:nvContentPartPr>
                 <p14:cNvPr id="31" name="Ink 30">
@@ -13057,7 +13070,7 @@
               </p14:xfrm>
             </p:contentPart>
           </mc:Choice>
-          <mc:Fallback>
+          <mc:Fallback xmlns="">
             <p:pic>
               <p:nvPicPr>
                 <p:cNvPr id="31" name="Ink 30">
@@ -13109,8 +13122,8 @@
             <a:chExt cx="2138040" cy="664560"/>
           </a:xfrm>
         </p:grpSpPr>
-        <mc:AlternateContent xmlns:mc="http://schemas.openxmlformats.org/markup-compatibility/2006">
-          <mc:Choice xmlns:p14="http://schemas.microsoft.com/office/powerpoint/2010/main" Requires="p14">
+        <mc:AlternateContent xmlns:mc="http://schemas.openxmlformats.org/markup-compatibility/2006" xmlns:p14="http://schemas.microsoft.com/office/powerpoint/2010/main">
+          <mc:Choice Requires="p14">
             <p:contentPart p14:bwMode="auto" r:id="rId36">
               <p14:nvContentPartPr>
                 <p14:cNvPr id="33" name="Ink 32">
@@ -13129,7 +13142,7 @@
               </p14:xfrm>
             </p:contentPart>
           </mc:Choice>
-          <mc:Fallback>
+          <mc:Fallback xmlns="">
             <p:pic>
               <p:nvPicPr>
                 <p:cNvPr id="33" name="Ink 32">
@@ -13160,8 +13173,8 @@
             </p:pic>
           </mc:Fallback>
         </mc:AlternateContent>
-        <mc:AlternateContent xmlns:mc="http://schemas.openxmlformats.org/markup-compatibility/2006">
-          <mc:Choice xmlns:p14="http://schemas.microsoft.com/office/powerpoint/2010/main" Requires="p14">
+        <mc:AlternateContent xmlns:mc="http://schemas.openxmlformats.org/markup-compatibility/2006" xmlns:p14="http://schemas.microsoft.com/office/powerpoint/2010/main">
+          <mc:Choice Requires="p14">
             <p:contentPart p14:bwMode="auto" r:id="rId38">
               <p14:nvContentPartPr>
                 <p14:cNvPr id="34" name="Ink 33">
@@ -13180,7 +13193,7 @@
               </p14:xfrm>
             </p:contentPart>
           </mc:Choice>
-          <mc:Fallback>
+          <mc:Fallback xmlns="">
             <p:pic>
               <p:nvPicPr>
                 <p:cNvPr id="34" name="Ink 33">
@@ -13211,8 +13224,8 @@
             </p:pic>
           </mc:Fallback>
         </mc:AlternateContent>
-        <mc:AlternateContent xmlns:mc="http://schemas.openxmlformats.org/markup-compatibility/2006">
-          <mc:Choice xmlns:p14="http://schemas.microsoft.com/office/powerpoint/2010/main" Requires="p14">
+        <mc:AlternateContent xmlns:mc="http://schemas.openxmlformats.org/markup-compatibility/2006" xmlns:p14="http://schemas.microsoft.com/office/powerpoint/2010/main">
+          <mc:Choice Requires="p14">
             <p:contentPart p14:bwMode="auto" r:id="rId40">
               <p14:nvContentPartPr>
                 <p14:cNvPr id="36" name="Ink 35">
@@ -13231,7 +13244,7 @@
               </p14:xfrm>
             </p:contentPart>
           </mc:Choice>
-          <mc:Fallback>
+          <mc:Fallback xmlns="">
             <p:pic>
               <p:nvPicPr>
                 <p:cNvPr id="36" name="Ink 35">
@@ -13262,8 +13275,8 @@
             </p:pic>
           </mc:Fallback>
         </mc:AlternateContent>
-        <mc:AlternateContent xmlns:mc="http://schemas.openxmlformats.org/markup-compatibility/2006">
-          <mc:Choice xmlns:p14="http://schemas.microsoft.com/office/powerpoint/2010/main" Requires="p14">
+        <mc:AlternateContent xmlns:mc="http://schemas.openxmlformats.org/markup-compatibility/2006" xmlns:p14="http://schemas.microsoft.com/office/powerpoint/2010/main">
+          <mc:Choice Requires="p14">
             <p:contentPart p14:bwMode="auto" r:id="rId42">
               <p14:nvContentPartPr>
                 <p14:cNvPr id="37" name="Ink 36">
@@ -13282,7 +13295,7 @@
               </p14:xfrm>
             </p:contentPart>
           </mc:Choice>
-          <mc:Fallback>
+          <mc:Fallback xmlns="">
             <p:pic>
               <p:nvPicPr>
                 <p:cNvPr id="37" name="Ink 36">
@@ -13313,8 +13326,8 @@
             </p:pic>
           </mc:Fallback>
         </mc:AlternateContent>
-        <mc:AlternateContent xmlns:mc="http://schemas.openxmlformats.org/markup-compatibility/2006">
-          <mc:Choice xmlns:p14="http://schemas.microsoft.com/office/powerpoint/2010/main" Requires="p14">
+        <mc:AlternateContent xmlns:mc="http://schemas.openxmlformats.org/markup-compatibility/2006" xmlns:p14="http://schemas.microsoft.com/office/powerpoint/2010/main">
+          <mc:Choice Requires="p14">
             <p:contentPart p14:bwMode="auto" r:id="rId44">
               <p14:nvContentPartPr>
                 <p14:cNvPr id="38" name="Ink 37">
@@ -13333,7 +13346,7 @@
               </p14:xfrm>
             </p:contentPart>
           </mc:Choice>
-          <mc:Fallback>
+          <mc:Fallback xmlns="">
             <p:pic>
               <p:nvPicPr>
                 <p:cNvPr id="38" name="Ink 37">
@@ -13364,8 +13377,8 @@
             </p:pic>
           </mc:Fallback>
         </mc:AlternateContent>
-        <mc:AlternateContent xmlns:mc="http://schemas.openxmlformats.org/markup-compatibility/2006">
-          <mc:Choice xmlns:p14="http://schemas.microsoft.com/office/powerpoint/2010/main" Requires="p14">
+        <mc:AlternateContent xmlns:mc="http://schemas.openxmlformats.org/markup-compatibility/2006" xmlns:p14="http://schemas.microsoft.com/office/powerpoint/2010/main">
+          <mc:Choice Requires="p14">
             <p:contentPart p14:bwMode="auto" r:id="rId46">
               <p14:nvContentPartPr>
                 <p14:cNvPr id="39" name="Ink 38">
@@ -13384,7 +13397,7 @@
               </p14:xfrm>
             </p:contentPart>
           </mc:Choice>
-          <mc:Fallback>
+          <mc:Fallback xmlns="">
             <p:pic>
               <p:nvPicPr>
                 <p:cNvPr id="39" name="Ink 38">
@@ -13415,8 +13428,8 @@
             </p:pic>
           </mc:Fallback>
         </mc:AlternateContent>
-        <mc:AlternateContent xmlns:mc="http://schemas.openxmlformats.org/markup-compatibility/2006">
-          <mc:Choice xmlns:p14="http://schemas.microsoft.com/office/powerpoint/2010/main" Requires="p14">
+        <mc:AlternateContent xmlns:mc="http://schemas.openxmlformats.org/markup-compatibility/2006" xmlns:p14="http://schemas.microsoft.com/office/powerpoint/2010/main">
+          <mc:Choice Requires="p14">
             <p:contentPart p14:bwMode="auto" r:id="rId48">
               <p14:nvContentPartPr>
                 <p14:cNvPr id="40" name="Ink 39">
@@ -13435,7 +13448,7 @@
               </p14:xfrm>
             </p:contentPart>
           </mc:Choice>
-          <mc:Fallback>
+          <mc:Fallback xmlns="">
             <p:pic>
               <p:nvPicPr>
                 <p:cNvPr id="40" name="Ink 39">
@@ -13466,8 +13479,8 @@
             </p:pic>
           </mc:Fallback>
         </mc:AlternateContent>
-        <mc:AlternateContent xmlns:mc="http://schemas.openxmlformats.org/markup-compatibility/2006">
-          <mc:Choice xmlns:p14="http://schemas.microsoft.com/office/powerpoint/2010/main" Requires="p14">
+        <mc:AlternateContent xmlns:mc="http://schemas.openxmlformats.org/markup-compatibility/2006" xmlns:p14="http://schemas.microsoft.com/office/powerpoint/2010/main">
+          <mc:Choice Requires="p14">
             <p:contentPart p14:bwMode="auto" r:id="rId50">
               <p14:nvContentPartPr>
                 <p14:cNvPr id="41" name="Ink 40">
@@ -13486,7 +13499,7 @@
               </p14:xfrm>
             </p:contentPart>
           </mc:Choice>
-          <mc:Fallback>
+          <mc:Fallback xmlns="">
             <p:pic>
               <p:nvPicPr>
                 <p:cNvPr id="41" name="Ink 40">
@@ -13517,8 +13530,8 @@
             </p:pic>
           </mc:Fallback>
         </mc:AlternateContent>
-        <mc:AlternateContent xmlns:mc="http://schemas.openxmlformats.org/markup-compatibility/2006">
-          <mc:Choice xmlns:p14="http://schemas.microsoft.com/office/powerpoint/2010/main" Requires="p14">
+        <mc:AlternateContent xmlns:mc="http://schemas.openxmlformats.org/markup-compatibility/2006" xmlns:p14="http://schemas.microsoft.com/office/powerpoint/2010/main">
+          <mc:Choice Requires="p14">
             <p:contentPart p14:bwMode="auto" r:id="rId52">
               <p14:nvContentPartPr>
                 <p14:cNvPr id="42" name="Ink 41">
@@ -13537,7 +13550,7 @@
               </p14:xfrm>
             </p:contentPart>
           </mc:Choice>
-          <mc:Fallback>
+          <mc:Fallback xmlns="">
             <p:pic>
               <p:nvPicPr>
                 <p:cNvPr id="42" name="Ink 41">
@@ -13569,8 +13582,8 @@
           </mc:Fallback>
         </mc:AlternateContent>
       </p:grpSp>
-      <mc:AlternateContent xmlns:mc="http://schemas.openxmlformats.org/markup-compatibility/2006">
-        <mc:Choice xmlns:p14="http://schemas.microsoft.com/office/powerpoint/2010/main" Requires="p14">
+      <mc:AlternateContent xmlns:mc="http://schemas.openxmlformats.org/markup-compatibility/2006" xmlns:p14="http://schemas.microsoft.com/office/powerpoint/2010/main">
+        <mc:Choice Requires="p14">
           <p:contentPart p14:bwMode="auto" r:id="rId54">
             <p14:nvContentPartPr>
               <p14:cNvPr id="44" name="Ink 43">
@@ -13589,7 +13602,7 @@
             </p14:xfrm>
           </p:contentPart>
         </mc:Choice>
-        <mc:Fallback>
+        <mc:Fallback xmlns="">
           <p:pic>
             <p:nvPicPr>
               <p:cNvPr id="44" name="Ink 43">
@@ -13640,8 +13653,8 @@
             <a:chExt cx="2282760" cy="389880"/>
           </a:xfrm>
         </p:grpSpPr>
-        <mc:AlternateContent xmlns:mc="http://schemas.openxmlformats.org/markup-compatibility/2006">
-          <mc:Choice xmlns:p14="http://schemas.microsoft.com/office/powerpoint/2010/main" Requires="p14">
+        <mc:AlternateContent xmlns:mc="http://schemas.openxmlformats.org/markup-compatibility/2006" xmlns:p14="http://schemas.microsoft.com/office/powerpoint/2010/main">
+          <mc:Choice Requires="p14">
             <p:contentPart p14:bwMode="auto" r:id="rId56">
               <p14:nvContentPartPr>
                 <p14:cNvPr id="47" name="Ink 46">
@@ -13660,7 +13673,7 @@
               </p14:xfrm>
             </p:contentPart>
           </mc:Choice>
-          <mc:Fallback>
+          <mc:Fallback xmlns="">
             <p:pic>
               <p:nvPicPr>
                 <p:cNvPr id="47" name="Ink 46">
@@ -13691,8 +13704,8 @@
             </p:pic>
           </mc:Fallback>
         </mc:AlternateContent>
-        <mc:AlternateContent xmlns:mc="http://schemas.openxmlformats.org/markup-compatibility/2006">
-          <mc:Choice xmlns:p14="http://schemas.microsoft.com/office/powerpoint/2010/main" Requires="p14">
+        <mc:AlternateContent xmlns:mc="http://schemas.openxmlformats.org/markup-compatibility/2006" xmlns:p14="http://schemas.microsoft.com/office/powerpoint/2010/main">
+          <mc:Choice Requires="p14">
             <p:contentPart p14:bwMode="auto" r:id="rId58">
               <p14:nvContentPartPr>
                 <p14:cNvPr id="48" name="Ink 47">
@@ -13711,7 +13724,7 @@
               </p14:xfrm>
             </p:contentPart>
           </mc:Choice>
-          <mc:Fallback>
+          <mc:Fallback xmlns="">
             <p:pic>
               <p:nvPicPr>
                 <p:cNvPr id="48" name="Ink 47">
@@ -13742,8 +13755,8 @@
             </p:pic>
           </mc:Fallback>
         </mc:AlternateContent>
-        <mc:AlternateContent xmlns:mc="http://schemas.openxmlformats.org/markup-compatibility/2006">
-          <mc:Choice xmlns:p14="http://schemas.microsoft.com/office/powerpoint/2010/main" Requires="p14">
+        <mc:AlternateContent xmlns:mc="http://schemas.openxmlformats.org/markup-compatibility/2006" xmlns:p14="http://schemas.microsoft.com/office/powerpoint/2010/main">
+          <mc:Choice Requires="p14">
             <p:contentPart p14:bwMode="auto" r:id="rId60">
               <p14:nvContentPartPr>
                 <p14:cNvPr id="49" name="Ink 48">
@@ -13762,7 +13775,7 @@
               </p14:xfrm>
             </p:contentPart>
           </mc:Choice>
-          <mc:Fallback>
+          <mc:Fallback xmlns="">
             <p:pic>
               <p:nvPicPr>
                 <p:cNvPr id="49" name="Ink 48">
@@ -13793,8 +13806,8 @@
             </p:pic>
           </mc:Fallback>
         </mc:AlternateContent>
-        <mc:AlternateContent xmlns:mc="http://schemas.openxmlformats.org/markup-compatibility/2006">
-          <mc:Choice xmlns:p14="http://schemas.microsoft.com/office/powerpoint/2010/main" Requires="p14">
+        <mc:AlternateContent xmlns:mc="http://schemas.openxmlformats.org/markup-compatibility/2006" xmlns:p14="http://schemas.microsoft.com/office/powerpoint/2010/main">
+          <mc:Choice Requires="p14">
             <p:contentPart p14:bwMode="auto" r:id="rId62">
               <p14:nvContentPartPr>
                 <p14:cNvPr id="50" name="Ink 49">
@@ -13813,7 +13826,7 @@
               </p14:xfrm>
             </p:contentPart>
           </mc:Choice>
-          <mc:Fallback>
+          <mc:Fallback xmlns="">
             <p:pic>
               <p:nvPicPr>
                 <p:cNvPr id="50" name="Ink 49">
@@ -13844,8 +13857,8 @@
             </p:pic>
           </mc:Fallback>
         </mc:AlternateContent>
-        <mc:AlternateContent xmlns:mc="http://schemas.openxmlformats.org/markup-compatibility/2006">
-          <mc:Choice xmlns:p14="http://schemas.microsoft.com/office/powerpoint/2010/main" Requires="p14">
+        <mc:AlternateContent xmlns:mc="http://schemas.openxmlformats.org/markup-compatibility/2006" xmlns:p14="http://schemas.microsoft.com/office/powerpoint/2010/main">
+          <mc:Choice Requires="p14">
             <p:contentPart p14:bwMode="auto" r:id="rId64">
               <p14:nvContentPartPr>
                 <p14:cNvPr id="51" name="Ink 50">
@@ -13864,7 +13877,7 @@
               </p14:xfrm>
             </p:contentPart>
           </mc:Choice>
-          <mc:Fallback>
+          <mc:Fallback xmlns="">
             <p:pic>
               <p:nvPicPr>
                 <p:cNvPr id="51" name="Ink 50">
@@ -13895,8 +13908,8 @@
             </p:pic>
           </mc:Fallback>
         </mc:AlternateContent>
-        <mc:AlternateContent xmlns:mc="http://schemas.openxmlformats.org/markup-compatibility/2006">
-          <mc:Choice xmlns:p14="http://schemas.microsoft.com/office/powerpoint/2010/main" Requires="p14">
+        <mc:AlternateContent xmlns:mc="http://schemas.openxmlformats.org/markup-compatibility/2006" xmlns:p14="http://schemas.microsoft.com/office/powerpoint/2010/main">
+          <mc:Choice Requires="p14">
             <p:contentPart p14:bwMode="auto" r:id="rId66">
               <p14:nvContentPartPr>
                 <p14:cNvPr id="52" name="Ink 51">
@@ -13915,7 +13928,7 @@
               </p14:xfrm>
             </p:contentPart>
           </mc:Choice>
-          <mc:Fallback>
+          <mc:Fallback xmlns="">
             <p:pic>
               <p:nvPicPr>
                 <p:cNvPr id="52" name="Ink 51">
@@ -13946,8 +13959,8 @@
             </p:pic>
           </mc:Fallback>
         </mc:AlternateContent>
-        <mc:AlternateContent xmlns:mc="http://schemas.openxmlformats.org/markup-compatibility/2006">
-          <mc:Choice xmlns:p14="http://schemas.microsoft.com/office/powerpoint/2010/main" Requires="p14">
+        <mc:AlternateContent xmlns:mc="http://schemas.openxmlformats.org/markup-compatibility/2006" xmlns:p14="http://schemas.microsoft.com/office/powerpoint/2010/main">
+          <mc:Choice Requires="p14">
             <p:contentPart p14:bwMode="auto" r:id="rId68">
               <p14:nvContentPartPr>
                 <p14:cNvPr id="53" name="Ink 52">
@@ -13966,7 +13979,7 @@
               </p14:xfrm>
             </p:contentPart>
           </mc:Choice>
-          <mc:Fallback>
+          <mc:Fallback xmlns="">
             <p:pic>
               <p:nvPicPr>
                 <p:cNvPr id="53" name="Ink 52">
@@ -13997,8 +14010,8 @@
             </p:pic>
           </mc:Fallback>
         </mc:AlternateContent>
-        <mc:AlternateContent xmlns:mc="http://schemas.openxmlformats.org/markup-compatibility/2006">
-          <mc:Choice xmlns:p14="http://schemas.microsoft.com/office/powerpoint/2010/main" Requires="p14">
+        <mc:AlternateContent xmlns:mc="http://schemas.openxmlformats.org/markup-compatibility/2006" xmlns:p14="http://schemas.microsoft.com/office/powerpoint/2010/main">
+          <mc:Choice Requires="p14">
             <p:contentPart p14:bwMode="auto" r:id="rId70">
               <p14:nvContentPartPr>
                 <p14:cNvPr id="57" name="Ink 56">
@@ -14017,7 +14030,7 @@
               </p14:xfrm>
             </p:contentPart>
           </mc:Choice>
-          <mc:Fallback>
+          <mc:Fallback xmlns="">
             <p:pic>
               <p:nvPicPr>
                 <p:cNvPr id="57" name="Ink 56">
@@ -14208,8 +14221,8 @@
           </a:p>
         </p:txBody>
       </p:sp>
-      <mc:AlternateContent xmlns:mc="http://schemas.openxmlformats.org/markup-compatibility/2006">
-        <mc:Choice xmlns:p14="http://schemas.microsoft.com/office/powerpoint/2010/main" Requires="p14">
+      <mc:AlternateContent xmlns:mc="http://schemas.openxmlformats.org/markup-compatibility/2006" xmlns:p14="http://schemas.microsoft.com/office/powerpoint/2010/main">
+        <mc:Choice Requires="p14">
           <p:contentPart p14:bwMode="auto" r:id="rId4">
             <p14:nvContentPartPr>
               <p14:cNvPr id="10" name="Ink 9">
@@ -14228,7 +14241,7 @@
             </p14:xfrm>
           </p:contentPart>
         </mc:Choice>
-        <mc:Fallback>
+        <mc:Fallback xmlns="">
           <p:pic>
             <p:nvPicPr>
               <p:cNvPr id="10" name="Ink 9">
@@ -14259,8 +14272,8 @@
           </p:pic>
         </mc:Fallback>
       </mc:AlternateContent>
-      <mc:AlternateContent xmlns:mc="http://schemas.openxmlformats.org/markup-compatibility/2006">
-        <mc:Choice xmlns:p14="http://schemas.microsoft.com/office/powerpoint/2010/main" Requires="p14">
+      <mc:AlternateContent xmlns:mc="http://schemas.openxmlformats.org/markup-compatibility/2006" xmlns:p14="http://schemas.microsoft.com/office/powerpoint/2010/main">
+        <mc:Choice Requires="p14">
           <p:contentPart p14:bwMode="auto" r:id="rId6">
             <p14:nvContentPartPr>
               <p14:cNvPr id="11" name="Ink 10">
@@ -14279,7 +14292,7 @@
             </p14:xfrm>
           </p:contentPart>
         </mc:Choice>
-        <mc:Fallback>
+        <mc:Fallback xmlns="">
           <p:pic>
             <p:nvPicPr>
               <p:cNvPr id="11" name="Ink 10">
@@ -14310,8 +14323,8 @@
           </p:pic>
         </mc:Fallback>
       </mc:AlternateContent>
-      <mc:AlternateContent xmlns:mc="http://schemas.openxmlformats.org/markup-compatibility/2006">
-        <mc:Choice xmlns:p14="http://schemas.microsoft.com/office/powerpoint/2010/main" Requires="p14">
+      <mc:AlternateContent xmlns:mc="http://schemas.openxmlformats.org/markup-compatibility/2006" xmlns:p14="http://schemas.microsoft.com/office/powerpoint/2010/main">
+        <mc:Choice Requires="p14">
           <p:contentPart p14:bwMode="auto" r:id="rId8">
             <p14:nvContentPartPr>
               <p14:cNvPr id="13" name="Ink 12">
@@ -14330,7 +14343,7 @@
             </p14:xfrm>
           </p:contentPart>
         </mc:Choice>
-        <mc:Fallback>
+        <mc:Fallback xmlns="">
           <p:pic>
             <p:nvPicPr>
               <p:cNvPr id="13" name="Ink 12">
@@ -14361,8 +14374,8 @@
           </p:pic>
         </mc:Fallback>
       </mc:AlternateContent>
-      <mc:AlternateContent xmlns:mc="http://schemas.openxmlformats.org/markup-compatibility/2006">
-        <mc:Choice xmlns:p14="http://schemas.microsoft.com/office/powerpoint/2010/main" Requires="p14">
+      <mc:AlternateContent xmlns:mc="http://schemas.openxmlformats.org/markup-compatibility/2006" xmlns:p14="http://schemas.microsoft.com/office/powerpoint/2010/main">
+        <mc:Choice Requires="p14">
           <p:contentPart p14:bwMode="auto" r:id="rId10">
             <p14:nvContentPartPr>
               <p14:cNvPr id="14" name="Ink 13">
@@ -14381,7 +14394,7 @@
             </p14:xfrm>
           </p:contentPart>
         </mc:Choice>
-        <mc:Fallback>
+        <mc:Fallback xmlns="">
           <p:pic>
             <p:nvPicPr>
               <p:cNvPr id="14" name="Ink 13">
@@ -14563,8 +14576,8 @@
           </a:p>
         </p:txBody>
       </p:sp>
-      <mc:AlternateContent xmlns:mc="http://schemas.openxmlformats.org/markup-compatibility/2006">
-        <mc:Choice xmlns:p14="http://schemas.microsoft.com/office/powerpoint/2010/main" Requires="p14">
+      <mc:AlternateContent xmlns:mc="http://schemas.openxmlformats.org/markup-compatibility/2006" xmlns:p14="http://schemas.microsoft.com/office/powerpoint/2010/main">
+        <mc:Choice Requires="p14">
           <p:contentPart p14:bwMode="auto" r:id="rId4">
             <p14:nvContentPartPr>
               <p14:cNvPr id="6" name="Ink 5">
@@ -14583,7 +14596,7 @@
             </p14:xfrm>
           </p:contentPart>
         </mc:Choice>
-        <mc:Fallback>
+        <mc:Fallback xmlns="">
           <p:pic>
             <p:nvPicPr>
               <p:cNvPr id="6" name="Ink 5">
@@ -14658,8 +14671,8 @@
           </a:p>
         </p:txBody>
       </p:sp>
-      <mc:AlternateContent xmlns:mc="http://schemas.openxmlformats.org/markup-compatibility/2006">
-        <mc:Choice xmlns:p14="http://schemas.microsoft.com/office/powerpoint/2010/main" Requires="p14">
+      <mc:AlternateContent xmlns:mc="http://schemas.openxmlformats.org/markup-compatibility/2006" xmlns:p14="http://schemas.microsoft.com/office/powerpoint/2010/main">
+        <mc:Choice Requires="p14">
           <p:contentPart p14:bwMode="auto" r:id="rId6">
             <p14:nvContentPartPr>
               <p14:cNvPr id="8" name="Ink 7">
@@ -14678,7 +14691,7 @@
             </p14:xfrm>
           </p:contentPart>
         </mc:Choice>
-        <mc:Fallback>
+        <mc:Fallback xmlns="">
           <p:pic>
             <p:nvPicPr>
               <p:cNvPr id="8" name="Ink 7">
@@ -14825,8 +14838,8 @@
           </a:prstGeom>
         </p:spPr>
       </p:pic>
-      <mc:AlternateContent xmlns:mc="http://schemas.openxmlformats.org/markup-compatibility/2006">
-        <mc:Choice xmlns:p14="http://schemas.microsoft.com/office/powerpoint/2010/main" Requires="p14">
+      <mc:AlternateContent xmlns:mc="http://schemas.openxmlformats.org/markup-compatibility/2006" xmlns:p14="http://schemas.microsoft.com/office/powerpoint/2010/main">
+        <mc:Choice Requires="p14">
           <p:contentPart p14:bwMode="auto" r:id="rId4">
             <p14:nvContentPartPr>
               <p14:cNvPr id="6" name="Ink 5">
@@ -14845,7 +14858,7 @@
             </p14:xfrm>
           </p:contentPart>
         </mc:Choice>
-        <mc:Fallback>
+        <mc:Fallback xmlns="">
           <p:pic>
             <p:nvPicPr>
               <p:cNvPr id="6" name="Ink 5">
@@ -14876,8 +14889,8 @@
           </p:pic>
         </mc:Fallback>
       </mc:AlternateContent>
-      <mc:AlternateContent xmlns:mc="http://schemas.openxmlformats.org/markup-compatibility/2006">
-        <mc:Choice xmlns:p14="http://schemas.microsoft.com/office/powerpoint/2010/main" Requires="p14">
+      <mc:AlternateContent xmlns:mc="http://schemas.openxmlformats.org/markup-compatibility/2006" xmlns:p14="http://schemas.microsoft.com/office/powerpoint/2010/main">
+        <mc:Choice Requires="p14">
           <p:contentPart p14:bwMode="auto" r:id="rId6">
             <p14:nvContentPartPr>
               <p14:cNvPr id="8" name="Ink 7">
@@ -14896,7 +14909,7 @@
             </p14:xfrm>
           </p:contentPart>
         </mc:Choice>
-        <mc:Fallback>
+        <mc:Fallback xmlns="">
           <p:pic>
             <p:nvPicPr>
               <p:cNvPr id="8" name="Ink 7">
@@ -14927,8 +14940,8 @@
           </p:pic>
         </mc:Fallback>
       </mc:AlternateContent>
-      <mc:AlternateContent xmlns:mc="http://schemas.openxmlformats.org/markup-compatibility/2006">
-        <mc:Choice xmlns:p14="http://schemas.microsoft.com/office/powerpoint/2010/main" Requires="p14">
+      <mc:AlternateContent xmlns:mc="http://schemas.openxmlformats.org/markup-compatibility/2006" xmlns:p14="http://schemas.microsoft.com/office/powerpoint/2010/main">
+        <mc:Choice Requires="p14">
           <p:contentPart p14:bwMode="auto" r:id="rId8">
             <p14:nvContentPartPr>
               <p14:cNvPr id="9" name="Ink 8">
@@ -14947,7 +14960,7 @@
             </p14:xfrm>
           </p:contentPart>
         </mc:Choice>
-        <mc:Fallback>
+        <mc:Fallback xmlns="">
           <p:pic>
             <p:nvPicPr>
               <p:cNvPr id="9" name="Ink 8">
@@ -14978,8 +14991,8 @@
           </p:pic>
         </mc:Fallback>
       </mc:AlternateContent>
-      <mc:AlternateContent xmlns:mc="http://schemas.openxmlformats.org/markup-compatibility/2006">
-        <mc:Choice xmlns:p14="http://schemas.microsoft.com/office/powerpoint/2010/main" Requires="p14">
+      <mc:AlternateContent xmlns:mc="http://schemas.openxmlformats.org/markup-compatibility/2006" xmlns:p14="http://schemas.microsoft.com/office/powerpoint/2010/main">
+        <mc:Choice Requires="p14">
           <p:contentPart p14:bwMode="auto" r:id="rId10">
             <p14:nvContentPartPr>
               <p14:cNvPr id="10" name="Ink 9">
@@ -14998,7 +15011,7 @@
             </p14:xfrm>
           </p:contentPart>
         </mc:Choice>
-        <mc:Fallback>
+        <mc:Fallback xmlns="">
           <p:pic>
             <p:nvPicPr>
               <p:cNvPr id="10" name="Ink 9">
@@ -15215,8 +15228,8 @@
           </a:p>
         </p:txBody>
       </p:sp>
-      <mc:AlternateContent xmlns:mc="http://schemas.openxmlformats.org/markup-compatibility/2006">
-        <mc:Choice xmlns:p14="http://schemas.microsoft.com/office/powerpoint/2010/main" Requires="p14">
+      <mc:AlternateContent xmlns:mc="http://schemas.openxmlformats.org/markup-compatibility/2006" xmlns:p14="http://schemas.microsoft.com/office/powerpoint/2010/main">
+        <mc:Choice Requires="p14">
           <p:contentPart p14:bwMode="auto" r:id="rId4">
             <p14:nvContentPartPr>
               <p14:cNvPr id="6" name="Ink 5">
@@ -15235,7 +15248,7 @@
             </p14:xfrm>
           </p:contentPart>
         </mc:Choice>
-        <mc:Fallback>
+        <mc:Fallback xmlns="">
           <p:pic>
             <p:nvPicPr>
               <p:cNvPr id="6" name="Ink 5">
@@ -15664,8 +15677,8 @@
           </a:xfrm>
         </p:spPr>
       </p:pic>
-      <mc:AlternateContent xmlns:mc="http://schemas.openxmlformats.org/markup-compatibility/2006">
-        <mc:Choice xmlns:p14="http://schemas.microsoft.com/office/powerpoint/2010/main" Requires="p14">
+      <mc:AlternateContent xmlns:mc="http://schemas.openxmlformats.org/markup-compatibility/2006" xmlns:p14="http://schemas.microsoft.com/office/powerpoint/2010/main">
+        <mc:Choice Requires="p14">
           <p:contentPart p14:bwMode="auto" r:id="rId3">
             <p14:nvContentPartPr>
               <p14:cNvPr id="3" name="Ink 2">
@@ -15684,7 +15697,7 @@
             </p14:xfrm>
           </p:contentPart>
         </mc:Choice>
-        <mc:Fallback>
+        <mc:Fallback xmlns="">
           <p:pic>
             <p:nvPicPr>
               <p:cNvPr id="3" name="Ink 2">
@@ -15715,8 +15728,8 @@
           </p:pic>
         </mc:Fallback>
       </mc:AlternateContent>
-      <mc:AlternateContent xmlns:mc="http://schemas.openxmlformats.org/markup-compatibility/2006">
-        <mc:Choice xmlns:p14="http://schemas.microsoft.com/office/powerpoint/2010/main" Requires="p14">
+      <mc:AlternateContent xmlns:mc="http://schemas.openxmlformats.org/markup-compatibility/2006" xmlns:p14="http://schemas.microsoft.com/office/powerpoint/2010/main">
+        <mc:Choice Requires="p14">
           <p:contentPart p14:bwMode="auto" r:id="rId5">
             <p14:nvContentPartPr>
               <p14:cNvPr id="4" name="Ink 3">
@@ -15735,7 +15748,7 @@
             </p14:xfrm>
           </p:contentPart>
         </mc:Choice>
-        <mc:Fallback>
+        <mc:Fallback xmlns="">
           <p:pic>
             <p:nvPicPr>
               <p:cNvPr id="4" name="Ink 3">
@@ -15766,8 +15779,8 @@
           </p:pic>
         </mc:Fallback>
       </mc:AlternateContent>
-      <mc:AlternateContent xmlns:mc="http://schemas.openxmlformats.org/markup-compatibility/2006">
-        <mc:Choice xmlns:p14="http://schemas.microsoft.com/office/powerpoint/2010/main" Requires="p14">
+      <mc:AlternateContent xmlns:mc="http://schemas.openxmlformats.org/markup-compatibility/2006" xmlns:p14="http://schemas.microsoft.com/office/powerpoint/2010/main">
+        <mc:Choice Requires="p14">
           <p:contentPart p14:bwMode="auto" r:id="rId7">
             <p14:nvContentPartPr>
               <p14:cNvPr id="10" name="Ink 9">
@@ -15786,7 +15799,7 @@
             </p14:xfrm>
           </p:contentPart>
         </mc:Choice>
-        <mc:Fallback>
+        <mc:Fallback xmlns="">
           <p:pic>
             <p:nvPicPr>
               <p:cNvPr id="10" name="Ink 9">
@@ -15817,8 +15830,8 @@
           </p:pic>
         </mc:Fallback>
       </mc:AlternateContent>
-      <mc:AlternateContent xmlns:mc="http://schemas.openxmlformats.org/markup-compatibility/2006">
-        <mc:Choice xmlns:p14="http://schemas.microsoft.com/office/powerpoint/2010/main" Requires="p14">
+      <mc:AlternateContent xmlns:mc="http://schemas.openxmlformats.org/markup-compatibility/2006" xmlns:p14="http://schemas.microsoft.com/office/powerpoint/2010/main">
+        <mc:Choice Requires="p14">
           <p:contentPart p14:bwMode="auto" r:id="rId9">
             <p14:nvContentPartPr>
               <p14:cNvPr id="11" name="Ink 10">
@@ -15837,7 +15850,7 @@
             </p14:xfrm>
           </p:contentPart>
         </mc:Choice>
-        <mc:Fallback>
+        <mc:Fallback xmlns="">
           <p:pic>
             <p:nvPicPr>
               <p:cNvPr id="11" name="Ink 10">
@@ -15868,8 +15881,8 @@
           </p:pic>
         </mc:Fallback>
       </mc:AlternateContent>
-      <mc:AlternateContent xmlns:mc="http://schemas.openxmlformats.org/markup-compatibility/2006">
-        <mc:Choice xmlns:p14="http://schemas.microsoft.com/office/powerpoint/2010/main" Requires="p14">
+      <mc:AlternateContent xmlns:mc="http://schemas.openxmlformats.org/markup-compatibility/2006" xmlns:p14="http://schemas.microsoft.com/office/powerpoint/2010/main">
+        <mc:Choice Requires="p14">
           <p:contentPart p14:bwMode="auto" r:id="rId11">
             <p14:nvContentPartPr>
               <p14:cNvPr id="17" name="Ink 16">
@@ -15888,7 +15901,7 @@
             </p14:xfrm>
           </p:contentPart>
         </mc:Choice>
-        <mc:Fallback>
+        <mc:Fallback xmlns="">
           <p:pic>
             <p:nvPicPr>
               <p:cNvPr id="17" name="Ink 16">
@@ -15919,8 +15932,8 @@
           </p:pic>
         </mc:Fallback>
       </mc:AlternateContent>
-      <mc:AlternateContent xmlns:mc="http://schemas.openxmlformats.org/markup-compatibility/2006">
-        <mc:Choice xmlns:p14="http://schemas.microsoft.com/office/powerpoint/2010/main" Requires="p14">
+      <mc:AlternateContent xmlns:mc="http://schemas.openxmlformats.org/markup-compatibility/2006" xmlns:p14="http://schemas.microsoft.com/office/powerpoint/2010/main">
+        <mc:Choice Requires="p14">
           <p:contentPart p14:bwMode="auto" r:id="rId13">
             <p14:nvContentPartPr>
               <p14:cNvPr id="20" name="Ink 19">
@@ -15939,7 +15952,7 @@
             </p14:xfrm>
           </p:contentPart>
         </mc:Choice>
-        <mc:Fallback>
+        <mc:Fallback xmlns="">
           <p:pic>
             <p:nvPicPr>
               <p:cNvPr id="20" name="Ink 19">
@@ -16190,8 +16203,8 @@
           </a:p>
         </p:txBody>
       </p:sp>
-      <mc:AlternateContent xmlns:mc="http://schemas.openxmlformats.org/markup-compatibility/2006">
-        <mc:Choice xmlns:p14="http://schemas.microsoft.com/office/powerpoint/2010/main" Requires="p14">
+      <mc:AlternateContent xmlns:mc="http://schemas.openxmlformats.org/markup-compatibility/2006" xmlns:p14="http://schemas.microsoft.com/office/powerpoint/2010/main">
+        <mc:Choice Requires="p14">
           <p:contentPart p14:bwMode="auto" r:id="rId15">
             <p14:nvContentPartPr>
               <p14:cNvPr id="25" name="Ink 24">
@@ -16210,7 +16223,7 @@
             </p14:xfrm>
           </p:contentPart>
         </mc:Choice>
-        <mc:Fallback>
+        <mc:Fallback xmlns="">
           <p:pic>
             <p:nvPicPr>
               <p:cNvPr id="25" name="Ink 24">
@@ -16241,8 +16254,8 @@
           </p:pic>
         </mc:Fallback>
       </mc:AlternateContent>
-      <mc:AlternateContent xmlns:mc="http://schemas.openxmlformats.org/markup-compatibility/2006">
-        <mc:Choice xmlns:p14="http://schemas.microsoft.com/office/powerpoint/2010/main" Requires="p14">
+      <mc:AlternateContent xmlns:mc="http://schemas.openxmlformats.org/markup-compatibility/2006" xmlns:p14="http://schemas.microsoft.com/office/powerpoint/2010/main">
+        <mc:Choice Requires="p14">
           <p:contentPart p14:bwMode="auto" r:id="rId17">
             <p14:nvContentPartPr>
               <p14:cNvPr id="26" name="Ink 25">
@@ -16261,7 +16274,7 @@
             </p14:xfrm>
           </p:contentPart>
         </mc:Choice>
-        <mc:Fallback>
+        <mc:Fallback xmlns="">
           <p:pic>
             <p:nvPicPr>
               <p:cNvPr id="26" name="Ink 25">
@@ -16292,8 +16305,8 @@
           </p:pic>
         </mc:Fallback>
       </mc:AlternateContent>
-      <mc:AlternateContent xmlns:mc="http://schemas.openxmlformats.org/markup-compatibility/2006">
-        <mc:Choice xmlns:p14="http://schemas.microsoft.com/office/powerpoint/2010/main" Requires="p14">
+      <mc:AlternateContent xmlns:mc="http://schemas.openxmlformats.org/markup-compatibility/2006" xmlns:p14="http://schemas.microsoft.com/office/powerpoint/2010/main">
+        <mc:Choice Requires="p14">
           <p:contentPart p14:bwMode="auto" r:id="rId19">
             <p14:nvContentPartPr>
               <p14:cNvPr id="27" name="Ink 26">
@@ -16312,7 +16325,7 @@
             </p14:xfrm>
           </p:contentPart>
         </mc:Choice>
-        <mc:Fallback>
+        <mc:Fallback xmlns="">
           <p:pic>
             <p:nvPicPr>
               <p:cNvPr id="27" name="Ink 26">
@@ -16581,8 +16594,8 @@
           </a:p>
         </p:txBody>
       </p:sp>
-      <mc:AlternateContent xmlns:mc="http://schemas.openxmlformats.org/markup-compatibility/2006">
-        <mc:Choice xmlns:p14="http://schemas.microsoft.com/office/powerpoint/2010/main" Requires="p14">
+      <mc:AlternateContent xmlns:mc="http://schemas.openxmlformats.org/markup-compatibility/2006" xmlns:p14="http://schemas.microsoft.com/office/powerpoint/2010/main">
+        <mc:Choice Requires="p14">
           <p:contentPart p14:bwMode="auto" r:id="rId21">
             <p14:nvContentPartPr>
               <p14:cNvPr id="31" name="Ink 30">
@@ -16601,7 +16614,7 @@
             </p14:xfrm>
           </p:contentPart>
         </mc:Choice>
-        <mc:Fallback>
+        <mc:Fallback xmlns="">
           <p:pic>
             <p:nvPicPr>
               <p:cNvPr id="31" name="Ink 30">
@@ -16652,8 +16665,8 @@
             <a:chExt cx="1663560" cy="3286175"/>
           </a:xfrm>
         </p:grpSpPr>
-        <mc:AlternateContent xmlns:mc="http://schemas.openxmlformats.org/markup-compatibility/2006">
-          <mc:Choice xmlns:p14="http://schemas.microsoft.com/office/powerpoint/2010/main" Requires="p14">
+        <mc:AlternateContent xmlns:mc="http://schemas.openxmlformats.org/markup-compatibility/2006" xmlns:p14="http://schemas.microsoft.com/office/powerpoint/2010/main">
+          <mc:Choice Requires="p14">
             <p:contentPart p14:bwMode="auto" r:id="rId23">
               <p14:nvContentPartPr>
                 <p14:cNvPr id="12" name="Ink 11">
@@ -16672,7 +16685,7 @@
               </p14:xfrm>
             </p:contentPart>
           </mc:Choice>
-          <mc:Fallback>
+          <mc:Fallback xmlns="">
             <p:pic>
               <p:nvPicPr>
                 <p:cNvPr id="12" name="Ink 11">
@@ -16703,8 +16716,8 @@
             </p:pic>
           </mc:Fallback>
         </mc:AlternateContent>
-        <mc:AlternateContent xmlns:mc="http://schemas.openxmlformats.org/markup-compatibility/2006">
-          <mc:Choice xmlns:p14="http://schemas.microsoft.com/office/powerpoint/2010/main" Requires="p14">
+        <mc:AlternateContent xmlns:mc="http://schemas.openxmlformats.org/markup-compatibility/2006" xmlns:p14="http://schemas.microsoft.com/office/powerpoint/2010/main">
+          <mc:Choice Requires="p14">
             <p:contentPart p14:bwMode="auto" r:id="rId25">
               <p14:nvContentPartPr>
                 <p14:cNvPr id="13" name="Ink 12">
@@ -16723,7 +16736,7 @@
               </p14:xfrm>
             </p:contentPart>
           </mc:Choice>
-          <mc:Fallback>
+          <mc:Fallback xmlns="">
             <p:pic>
               <p:nvPicPr>
                 <p:cNvPr id="13" name="Ink 12">
@@ -16754,8 +16767,8 @@
             </p:pic>
           </mc:Fallback>
         </mc:AlternateContent>
-        <mc:AlternateContent xmlns:mc="http://schemas.openxmlformats.org/markup-compatibility/2006">
-          <mc:Choice xmlns:p14="http://schemas.microsoft.com/office/powerpoint/2010/main" Requires="p14">
+        <mc:AlternateContent xmlns:mc="http://schemas.openxmlformats.org/markup-compatibility/2006" xmlns:p14="http://schemas.microsoft.com/office/powerpoint/2010/main">
+          <mc:Choice Requires="p14">
             <p:contentPart p14:bwMode="auto" r:id="rId27">
               <p14:nvContentPartPr>
                 <p14:cNvPr id="15" name="Ink 14">
@@ -16774,7 +16787,7 @@
               </p14:xfrm>
             </p:contentPart>
           </mc:Choice>
-          <mc:Fallback>
+          <mc:Fallback xmlns="">
             <p:pic>
               <p:nvPicPr>
                 <p:cNvPr id="15" name="Ink 14">
@@ -16805,8 +16818,8 @@
             </p:pic>
           </mc:Fallback>
         </mc:AlternateContent>
-        <mc:AlternateContent xmlns:mc="http://schemas.openxmlformats.org/markup-compatibility/2006">
-          <mc:Choice xmlns:p14="http://schemas.microsoft.com/office/powerpoint/2010/main" Requires="p14">
+        <mc:AlternateContent xmlns:mc="http://schemas.openxmlformats.org/markup-compatibility/2006" xmlns:p14="http://schemas.microsoft.com/office/powerpoint/2010/main">
+          <mc:Choice Requires="p14">
             <p:contentPart p14:bwMode="auto" r:id="rId29">
               <p14:nvContentPartPr>
                 <p14:cNvPr id="32" name="Ink 31">
@@ -16825,7 +16838,7 @@
               </p14:xfrm>
             </p:contentPart>
           </mc:Choice>
-          <mc:Fallback>
+          <mc:Fallback xmlns="">
             <p:pic>
               <p:nvPicPr>
                 <p:cNvPr id="32" name="Ink 31">
@@ -16983,8 +16996,8 @@
           </a:p>
         </p:txBody>
       </p:sp>
-      <mc:AlternateContent xmlns:mc="http://schemas.openxmlformats.org/markup-compatibility/2006">
-        <mc:Choice xmlns:p14="http://schemas.microsoft.com/office/powerpoint/2010/main" Requires="p14">
+      <mc:AlternateContent xmlns:mc="http://schemas.openxmlformats.org/markup-compatibility/2006" xmlns:p14="http://schemas.microsoft.com/office/powerpoint/2010/main">
+        <mc:Choice Requires="p14">
           <p:contentPart p14:bwMode="auto" r:id="rId31">
             <p14:nvContentPartPr>
               <p14:cNvPr id="36" name="Ink 35">
@@ -17003,7 +17016,7 @@
             </p14:xfrm>
           </p:contentPart>
         </mc:Choice>
-        <mc:Fallback>
+        <mc:Fallback xmlns="">
           <p:pic>
             <p:nvPicPr>
               <p:cNvPr id="36" name="Ink 35">
@@ -17144,8 +17157,8 @@
           </a:p>
         </p:txBody>
       </p:sp>
-      <mc:AlternateContent xmlns:mc="http://schemas.openxmlformats.org/markup-compatibility/2006">
-        <mc:Choice xmlns:p14="http://schemas.microsoft.com/office/powerpoint/2010/main" Requires="p14">
+      <mc:AlternateContent xmlns:mc="http://schemas.openxmlformats.org/markup-compatibility/2006" xmlns:p14="http://schemas.microsoft.com/office/powerpoint/2010/main">
+        <mc:Choice Requires="p14">
           <p:contentPart p14:bwMode="auto" r:id="rId33">
             <p14:nvContentPartPr>
               <p14:cNvPr id="39" name="Ink 38">
@@ -17164,7 +17177,7 @@
             </p14:xfrm>
           </p:contentPart>
         </mc:Choice>
-        <mc:Fallback>
+        <mc:Fallback xmlns="">
           <p:pic>
             <p:nvPicPr>
               <p:cNvPr id="39" name="Ink 38">
@@ -17418,8 +17431,8 @@
             <a:chExt cx="729360" cy="1256760"/>
           </a:xfrm>
         </p:grpSpPr>
-        <mc:AlternateContent xmlns:mc="http://schemas.openxmlformats.org/markup-compatibility/2006">
-          <mc:Choice xmlns:p14="http://schemas.microsoft.com/office/powerpoint/2010/main" Requires="p14">
+        <mc:AlternateContent xmlns:mc="http://schemas.openxmlformats.org/markup-compatibility/2006" xmlns:p14="http://schemas.microsoft.com/office/powerpoint/2010/main">
+          <mc:Choice Requires="p14">
             <p:contentPart p14:bwMode="auto" r:id="rId3">
               <p14:nvContentPartPr>
                 <p14:cNvPr id="3" name="Ink 2">
@@ -17438,7 +17451,7 @@
               </p14:xfrm>
             </p:contentPart>
           </mc:Choice>
-          <mc:Fallback>
+          <mc:Fallback xmlns="">
             <p:pic>
               <p:nvPicPr>
                 <p:cNvPr id="3" name="Ink 2">
@@ -17469,8 +17482,8 @@
             </p:pic>
           </mc:Fallback>
         </mc:AlternateContent>
-        <mc:AlternateContent xmlns:mc="http://schemas.openxmlformats.org/markup-compatibility/2006">
-          <mc:Choice xmlns:p14="http://schemas.microsoft.com/office/powerpoint/2010/main" Requires="p14">
+        <mc:AlternateContent xmlns:mc="http://schemas.openxmlformats.org/markup-compatibility/2006" xmlns:p14="http://schemas.microsoft.com/office/powerpoint/2010/main">
+          <mc:Choice Requires="p14">
             <p:contentPart p14:bwMode="auto" r:id="rId5">
               <p14:nvContentPartPr>
                 <p14:cNvPr id="4" name="Ink 3">
@@ -17489,7 +17502,7 @@
               </p14:xfrm>
             </p:contentPart>
           </mc:Choice>
-          <mc:Fallback>
+          <mc:Fallback xmlns="">
             <p:pic>
               <p:nvPicPr>
                 <p:cNvPr id="4" name="Ink 3">
@@ -17597,8 +17610,8 @@
           </a:p>
         </p:txBody>
       </p:sp>
-      <mc:AlternateContent xmlns:mc="http://schemas.openxmlformats.org/markup-compatibility/2006">
-        <mc:Choice xmlns:p14="http://schemas.microsoft.com/office/powerpoint/2010/main" Requires="p14">
+      <mc:AlternateContent xmlns:mc="http://schemas.openxmlformats.org/markup-compatibility/2006" xmlns:p14="http://schemas.microsoft.com/office/powerpoint/2010/main">
+        <mc:Choice Requires="p14">
           <p:contentPart p14:bwMode="auto" r:id="rId7">
             <p14:nvContentPartPr>
               <p14:cNvPr id="8" name="Ink 7">
@@ -17617,7 +17630,7 @@
             </p14:xfrm>
           </p:contentPart>
         </mc:Choice>
-        <mc:Fallback>
+        <mc:Fallback xmlns="">
           <p:pic>
             <p:nvPicPr>
               <p:cNvPr id="8" name="Ink 7">
@@ -17648,8 +17661,8 @@
           </p:pic>
         </mc:Fallback>
       </mc:AlternateContent>
-      <mc:AlternateContent xmlns:mc="http://schemas.openxmlformats.org/markup-compatibility/2006">
-        <mc:Choice xmlns:p14="http://schemas.microsoft.com/office/powerpoint/2010/main" Requires="p14">
+      <mc:AlternateContent xmlns:mc="http://schemas.openxmlformats.org/markup-compatibility/2006" xmlns:p14="http://schemas.microsoft.com/office/powerpoint/2010/main">
+        <mc:Choice Requires="p14">
           <p:contentPart p14:bwMode="auto" r:id="rId9">
             <p14:nvContentPartPr>
               <p14:cNvPr id="9" name="Ink 8">
@@ -17668,7 +17681,7 @@
             </p14:xfrm>
           </p:contentPart>
         </mc:Choice>
-        <mc:Fallback>
+        <mc:Fallback xmlns="">
           <p:pic>
             <p:nvPicPr>
               <p:cNvPr id="9" name="Ink 8">
@@ -17699,8 +17712,8 @@
           </p:pic>
         </mc:Fallback>
       </mc:AlternateContent>
-      <mc:AlternateContent xmlns:mc="http://schemas.openxmlformats.org/markup-compatibility/2006">
-        <mc:Choice xmlns:p14="http://schemas.microsoft.com/office/powerpoint/2010/main" Requires="p14">
+      <mc:AlternateContent xmlns:mc="http://schemas.openxmlformats.org/markup-compatibility/2006" xmlns:p14="http://schemas.microsoft.com/office/powerpoint/2010/main">
+        <mc:Choice Requires="p14">
           <p:contentPart p14:bwMode="auto" r:id="rId11">
             <p14:nvContentPartPr>
               <p14:cNvPr id="10" name="Ink 9">
@@ -17719,7 +17732,7 @@
             </p14:xfrm>
           </p:contentPart>
         </mc:Choice>
-        <mc:Fallback>
+        <mc:Fallback xmlns="">
           <p:pic>
             <p:nvPicPr>
               <p:cNvPr id="10" name="Ink 9">
@@ -17750,8 +17763,8 @@
           </p:pic>
         </mc:Fallback>
       </mc:AlternateContent>
-      <mc:AlternateContent xmlns:mc="http://schemas.openxmlformats.org/markup-compatibility/2006">
-        <mc:Choice xmlns:p14="http://schemas.microsoft.com/office/powerpoint/2010/main" Requires="p14">
+      <mc:AlternateContent xmlns:mc="http://schemas.openxmlformats.org/markup-compatibility/2006" xmlns:p14="http://schemas.microsoft.com/office/powerpoint/2010/main">
+        <mc:Choice Requires="p14">
           <p:contentPart p14:bwMode="auto" r:id="rId13">
             <p14:nvContentPartPr>
               <p14:cNvPr id="11" name="Ink 10">
@@ -17770,7 +17783,7 @@
             </p14:xfrm>
           </p:contentPart>
         </mc:Choice>
-        <mc:Fallback>
+        <mc:Fallback xmlns="">
           <p:pic>
             <p:nvPicPr>
               <p:cNvPr id="11" name="Ink 10">
@@ -17801,8 +17814,8 @@
           </p:pic>
         </mc:Fallback>
       </mc:AlternateContent>
-      <mc:AlternateContent xmlns:mc="http://schemas.openxmlformats.org/markup-compatibility/2006">
-        <mc:Choice xmlns:p14="http://schemas.microsoft.com/office/powerpoint/2010/main" Requires="p14">
+      <mc:AlternateContent xmlns:mc="http://schemas.openxmlformats.org/markup-compatibility/2006" xmlns:p14="http://schemas.microsoft.com/office/powerpoint/2010/main">
+        <mc:Choice Requires="p14">
           <p:contentPart p14:bwMode="auto" r:id="rId15">
             <p14:nvContentPartPr>
               <p14:cNvPr id="12" name="Ink 11">
@@ -17821,7 +17834,7 @@
             </p14:xfrm>
           </p:contentPart>
         </mc:Choice>
-        <mc:Fallback>
+        <mc:Fallback xmlns="">
           <p:pic>
             <p:nvPicPr>
               <p:cNvPr id="12" name="Ink 11">
@@ -17872,8 +17885,8 @@
             <a:chExt cx="384120" cy="363600"/>
           </a:xfrm>
         </p:grpSpPr>
-        <mc:AlternateContent xmlns:mc="http://schemas.openxmlformats.org/markup-compatibility/2006">
-          <mc:Choice xmlns:p14="http://schemas.microsoft.com/office/powerpoint/2010/main" Requires="p14">
+        <mc:AlternateContent xmlns:mc="http://schemas.openxmlformats.org/markup-compatibility/2006" xmlns:p14="http://schemas.microsoft.com/office/powerpoint/2010/main">
+          <mc:Choice Requires="p14">
             <p:contentPart p14:bwMode="auto" r:id="rId17">
               <p14:nvContentPartPr>
                 <p14:cNvPr id="13" name="Ink 12">
@@ -17892,7 +17905,7 @@
               </p14:xfrm>
             </p:contentPart>
           </mc:Choice>
-          <mc:Fallback>
+          <mc:Fallback xmlns="">
             <p:pic>
               <p:nvPicPr>
                 <p:cNvPr id="13" name="Ink 12">
@@ -17923,8 +17936,8 @@
             </p:pic>
           </mc:Fallback>
         </mc:AlternateContent>
-        <mc:AlternateContent xmlns:mc="http://schemas.openxmlformats.org/markup-compatibility/2006">
-          <mc:Choice xmlns:p14="http://schemas.microsoft.com/office/powerpoint/2010/main" Requires="p14">
+        <mc:AlternateContent xmlns:mc="http://schemas.openxmlformats.org/markup-compatibility/2006" xmlns:p14="http://schemas.microsoft.com/office/powerpoint/2010/main">
+          <mc:Choice Requires="p14">
             <p:contentPart p14:bwMode="auto" r:id="rId19">
               <p14:nvContentPartPr>
                 <p14:cNvPr id="14" name="Ink 13">
@@ -17943,7 +17956,7 @@
               </p14:xfrm>
             </p:contentPart>
           </mc:Choice>
-          <mc:Fallback>
+          <mc:Fallback xmlns="">
             <p:pic>
               <p:nvPicPr>
                 <p:cNvPr id="14" name="Ink 13">
@@ -17995,8 +18008,8 @@
             <a:chExt cx="1181520" cy="365760"/>
           </a:xfrm>
         </p:grpSpPr>
-        <mc:AlternateContent xmlns:mc="http://schemas.openxmlformats.org/markup-compatibility/2006">
-          <mc:Choice xmlns:p14="http://schemas.microsoft.com/office/powerpoint/2010/main" Requires="p14">
+        <mc:AlternateContent xmlns:mc="http://schemas.openxmlformats.org/markup-compatibility/2006" xmlns:p14="http://schemas.microsoft.com/office/powerpoint/2010/main">
+          <mc:Choice Requires="p14">
             <p:contentPart p14:bwMode="auto" r:id="rId21">
               <p14:nvContentPartPr>
                 <p14:cNvPr id="16" name="Ink 15">
@@ -18015,7 +18028,7 @@
               </p14:xfrm>
             </p:contentPart>
           </mc:Choice>
-          <mc:Fallback>
+          <mc:Fallback xmlns="">
             <p:pic>
               <p:nvPicPr>
                 <p:cNvPr id="16" name="Ink 15">
@@ -18046,8 +18059,8 @@
             </p:pic>
           </mc:Fallback>
         </mc:AlternateContent>
-        <mc:AlternateContent xmlns:mc="http://schemas.openxmlformats.org/markup-compatibility/2006">
-          <mc:Choice xmlns:p14="http://schemas.microsoft.com/office/powerpoint/2010/main" Requires="p14">
+        <mc:AlternateContent xmlns:mc="http://schemas.openxmlformats.org/markup-compatibility/2006" xmlns:p14="http://schemas.microsoft.com/office/powerpoint/2010/main">
+          <mc:Choice Requires="p14">
             <p:contentPart p14:bwMode="auto" r:id="rId23">
               <p14:nvContentPartPr>
                 <p14:cNvPr id="17" name="Ink 16">
@@ -18066,7 +18079,7 @@
               </p14:xfrm>
             </p:contentPart>
           </mc:Choice>
-          <mc:Fallback>
+          <mc:Fallback xmlns="">
             <p:pic>
               <p:nvPicPr>
                 <p:cNvPr id="17" name="Ink 16">
@@ -18097,8 +18110,8 @@
             </p:pic>
           </mc:Fallback>
         </mc:AlternateContent>
-        <mc:AlternateContent xmlns:mc="http://schemas.openxmlformats.org/markup-compatibility/2006">
-          <mc:Choice xmlns:p14="http://schemas.microsoft.com/office/powerpoint/2010/main" Requires="p14">
+        <mc:AlternateContent xmlns:mc="http://schemas.openxmlformats.org/markup-compatibility/2006" xmlns:p14="http://schemas.microsoft.com/office/powerpoint/2010/main">
+          <mc:Choice Requires="p14">
             <p:contentPart p14:bwMode="auto" r:id="rId25">
               <p14:nvContentPartPr>
                 <p14:cNvPr id="19" name="Ink 18">
@@ -18117,7 +18130,7 @@
               </p14:xfrm>
             </p:contentPart>
           </mc:Choice>
-          <mc:Fallback>
+          <mc:Fallback xmlns="">
             <p:pic>
               <p:nvPicPr>
                 <p:cNvPr id="19" name="Ink 18">
@@ -18148,8 +18161,8 @@
             </p:pic>
           </mc:Fallback>
         </mc:AlternateContent>
-        <mc:AlternateContent xmlns:mc="http://schemas.openxmlformats.org/markup-compatibility/2006">
-          <mc:Choice xmlns:p14="http://schemas.microsoft.com/office/powerpoint/2010/main" Requires="p14">
+        <mc:AlternateContent xmlns:mc="http://schemas.openxmlformats.org/markup-compatibility/2006" xmlns:p14="http://schemas.microsoft.com/office/powerpoint/2010/main">
+          <mc:Choice Requires="p14">
             <p:contentPart p14:bwMode="auto" r:id="rId27">
               <p14:nvContentPartPr>
                 <p14:cNvPr id="20" name="Ink 19">
@@ -18168,7 +18181,7 @@
               </p14:xfrm>
             </p:contentPart>
           </mc:Choice>
-          <mc:Fallback>
+          <mc:Fallback xmlns="">
             <p:pic>
               <p:nvPicPr>
                 <p:cNvPr id="20" name="Ink 19">
@@ -18199,8 +18212,8 @@
             </p:pic>
           </mc:Fallback>
         </mc:AlternateContent>
-        <mc:AlternateContent xmlns:mc="http://schemas.openxmlformats.org/markup-compatibility/2006">
-          <mc:Choice xmlns:p14="http://schemas.microsoft.com/office/powerpoint/2010/main" Requires="p14">
+        <mc:AlternateContent xmlns:mc="http://schemas.openxmlformats.org/markup-compatibility/2006" xmlns:p14="http://schemas.microsoft.com/office/powerpoint/2010/main">
+          <mc:Choice Requires="p14">
             <p:contentPart p14:bwMode="auto" r:id="rId29">
               <p14:nvContentPartPr>
                 <p14:cNvPr id="21" name="Ink 20">
@@ -18219,7 +18232,7 @@
               </p14:xfrm>
             </p:contentPart>
           </mc:Choice>
-          <mc:Fallback>
+          <mc:Fallback xmlns="">
             <p:pic>
               <p:nvPicPr>
                 <p:cNvPr id="21" name="Ink 20">
@@ -18250,8 +18263,8 @@
             </p:pic>
           </mc:Fallback>
         </mc:AlternateContent>
-        <mc:AlternateContent xmlns:mc="http://schemas.openxmlformats.org/markup-compatibility/2006">
-          <mc:Choice xmlns:p14="http://schemas.microsoft.com/office/powerpoint/2010/main" Requires="p14">
+        <mc:AlternateContent xmlns:mc="http://schemas.openxmlformats.org/markup-compatibility/2006" xmlns:p14="http://schemas.microsoft.com/office/powerpoint/2010/main">
+          <mc:Choice Requires="p14">
             <p:contentPart p14:bwMode="auto" r:id="rId31">
               <p14:nvContentPartPr>
                 <p14:cNvPr id="22" name="Ink 21">
@@ -18270,7 +18283,7 @@
               </p14:xfrm>
             </p:contentPart>
           </mc:Choice>
-          <mc:Fallback>
+          <mc:Fallback xmlns="">
             <p:pic>
               <p:nvPicPr>
                 <p:cNvPr id="22" name="Ink 21">
@@ -18301,8 +18314,8 @@
             </p:pic>
           </mc:Fallback>
         </mc:AlternateContent>
-        <mc:AlternateContent xmlns:mc="http://schemas.openxmlformats.org/markup-compatibility/2006">
-          <mc:Choice xmlns:p14="http://schemas.microsoft.com/office/powerpoint/2010/main" Requires="p14">
+        <mc:AlternateContent xmlns:mc="http://schemas.openxmlformats.org/markup-compatibility/2006" xmlns:p14="http://schemas.microsoft.com/office/powerpoint/2010/main">
+          <mc:Choice Requires="p14">
             <p:contentPart p14:bwMode="auto" r:id="rId33">
               <p14:nvContentPartPr>
                 <p14:cNvPr id="23" name="Ink 22">
@@ -18321,7 +18334,7 @@
               </p14:xfrm>
             </p:contentPart>
           </mc:Choice>
-          <mc:Fallback>
+          <mc:Fallback xmlns="">
             <p:pic>
               <p:nvPicPr>
                 <p:cNvPr id="23" name="Ink 22">
@@ -18352,8 +18365,8 @@
             </p:pic>
           </mc:Fallback>
         </mc:AlternateContent>
-        <mc:AlternateContent xmlns:mc="http://schemas.openxmlformats.org/markup-compatibility/2006">
-          <mc:Choice xmlns:p14="http://schemas.microsoft.com/office/powerpoint/2010/main" Requires="p14">
+        <mc:AlternateContent xmlns:mc="http://schemas.openxmlformats.org/markup-compatibility/2006" xmlns:p14="http://schemas.microsoft.com/office/powerpoint/2010/main">
+          <mc:Choice Requires="p14">
             <p:contentPart p14:bwMode="auto" r:id="rId35">
               <p14:nvContentPartPr>
                 <p14:cNvPr id="24" name="Ink 23">
@@ -18372,7 +18385,7 @@
               </p14:xfrm>
             </p:contentPart>
           </mc:Choice>
-          <mc:Fallback>
+          <mc:Fallback xmlns="">
             <p:pic>
               <p:nvPicPr>
                 <p:cNvPr id="24" name="Ink 23">
@@ -18403,8 +18416,8 @@
             </p:pic>
           </mc:Fallback>
         </mc:AlternateContent>
-        <mc:AlternateContent xmlns:mc="http://schemas.openxmlformats.org/markup-compatibility/2006">
-          <mc:Choice xmlns:p14="http://schemas.microsoft.com/office/powerpoint/2010/main" Requires="p14">
+        <mc:AlternateContent xmlns:mc="http://schemas.openxmlformats.org/markup-compatibility/2006" xmlns:p14="http://schemas.microsoft.com/office/powerpoint/2010/main">
+          <mc:Choice Requires="p14">
             <p:contentPart p14:bwMode="auto" r:id="rId37">
               <p14:nvContentPartPr>
                 <p14:cNvPr id="25" name="Ink 24">
@@ -18423,7 +18436,7 @@
               </p14:xfrm>
             </p:contentPart>
           </mc:Choice>
-          <mc:Fallback>
+          <mc:Fallback xmlns="">
             <p:pic>
               <p:nvPicPr>
                 <p:cNvPr id="25" name="Ink 24">
@@ -18454,8 +18467,8 @@
             </p:pic>
           </mc:Fallback>
         </mc:AlternateContent>
-        <mc:AlternateContent xmlns:mc="http://schemas.openxmlformats.org/markup-compatibility/2006">
-          <mc:Choice xmlns:p14="http://schemas.microsoft.com/office/powerpoint/2010/main" Requires="p14">
+        <mc:AlternateContent xmlns:mc="http://schemas.openxmlformats.org/markup-compatibility/2006" xmlns:p14="http://schemas.microsoft.com/office/powerpoint/2010/main">
+          <mc:Choice Requires="p14">
             <p:contentPart p14:bwMode="auto" r:id="rId39">
               <p14:nvContentPartPr>
                 <p14:cNvPr id="26" name="Ink 25">
@@ -18474,7 +18487,7 @@
               </p14:xfrm>
             </p:contentPart>
           </mc:Choice>
-          <mc:Fallback>
+          <mc:Fallback xmlns="">
             <p:pic>
               <p:nvPicPr>
                 <p:cNvPr id="26" name="Ink 25">
@@ -18505,8 +18518,8 @@
             </p:pic>
           </mc:Fallback>
         </mc:AlternateContent>
-        <mc:AlternateContent xmlns:mc="http://schemas.openxmlformats.org/markup-compatibility/2006">
-          <mc:Choice xmlns:p14="http://schemas.microsoft.com/office/powerpoint/2010/main" Requires="p14">
+        <mc:AlternateContent xmlns:mc="http://schemas.openxmlformats.org/markup-compatibility/2006" xmlns:p14="http://schemas.microsoft.com/office/powerpoint/2010/main">
+          <mc:Choice Requires="p14">
             <p:contentPart p14:bwMode="auto" r:id="rId41">
               <p14:nvContentPartPr>
                 <p14:cNvPr id="27" name="Ink 26">
@@ -18525,7 +18538,7 @@
               </p14:xfrm>
             </p:contentPart>
           </mc:Choice>
-          <mc:Fallback>
+          <mc:Fallback xmlns="">
             <p:pic>
               <p:nvPicPr>
                 <p:cNvPr id="27" name="Ink 26">
@@ -18556,8 +18569,8 @@
             </p:pic>
           </mc:Fallback>
         </mc:AlternateContent>
-        <mc:AlternateContent xmlns:mc="http://schemas.openxmlformats.org/markup-compatibility/2006">
-          <mc:Choice xmlns:p14="http://schemas.microsoft.com/office/powerpoint/2010/main" Requires="p14">
+        <mc:AlternateContent xmlns:mc="http://schemas.openxmlformats.org/markup-compatibility/2006" xmlns:p14="http://schemas.microsoft.com/office/powerpoint/2010/main">
+          <mc:Choice Requires="p14">
             <p:contentPart p14:bwMode="auto" r:id="rId43">
               <p14:nvContentPartPr>
                 <p14:cNvPr id="28" name="Ink 27">
@@ -18576,7 +18589,7 @@
               </p14:xfrm>
             </p:contentPart>
           </mc:Choice>
-          <mc:Fallback>
+          <mc:Fallback xmlns="">
             <p:pic>
               <p:nvPicPr>
                 <p:cNvPr id="28" name="Ink 27">
@@ -18764,8 +18777,8 @@
           </a:p>
         </p:txBody>
       </p:sp>
-      <mc:AlternateContent xmlns:mc="http://schemas.openxmlformats.org/markup-compatibility/2006">
-        <mc:Choice xmlns:p14="http://schemas.microsoft.com/office/powerpoint/2010/main" Requires="p14">
+      <mc:AlternateContent xmlns:mc="http://schemas.openxmlformats.org/markup-compatibility/2006" xmlns:p14="http://schemas.microsoft.com/office/powerpoint/2010/main">
+        <mc:Choice Requires="p14">
           <p:contentPart p14:bwMode="auto" r:id="rId45">
             <p14:nvContentPartPr>
               <p14:cNvPr id="33" name="Ink 32">
@@ -18784,7 +18797,7 @@
             </p14:xfrm>
           </p:contentPart>
         </mc:Choice>
-        <mc:Fallback>
+        <mc:Fallback xmlns="">
           <p:pic>
             <p:nvPicPr>
               <p:cNvPr id="33" name="Ink 32">
@@ -19844,8 +19857,8 @@
           </a:p>
         </p:txBody>
       </p:sp>
-      <mc:AlternateContent xmlns:mc="http://schemas.openxmlformats.org/markup-compatibility/2006">
-        <mc:Choice xmlns:p14="http://schemas.microsoft.com/office/powerpoint/2010/main" Requires="p14">
+      <mc:AlternateContent xmlns:mc="http://schemas.openxmlformats.org/markup-compatibility/2006" xmlns:p14="http://schemas.microsoft.com/office/powerpoint/2010/main">
+        <mc:Choice Requires="p14">
           <p:contentPart p14:bwMode="auto" r:id="rId3">
             <p14:nvContentPartPr>
               <p14:cNvPr id="8" name="Ink 7">
@@ -19864,7 +19877,7 @@
             </p14:xfrm>
           </p:contentPart>
         </mc:Choice>
-        <mc:Fallback>
+        <mc:Fallback xmlns="">
           <p:pic>
             <p:nvPicPr>
               <p:cNvPr id="8" name="Ink 7">
@@ -20081,8 +20094,8 @@
           </a:p>
         </p:txBody>
       </p:sp>
-      <mc:AlternateContent xmlns:mc="http://schemas.openxmlformats.org/markup-compatibility/2006">
-        <mc:Choice xmlns:p14="http://schemas.microsoft.com/office/powerpoint/2010/main" Requires="p14">
+      <mc:AlternateContent xmlns:mc="http://schemas.openxmlformats.org/markup-compatibility/2006" xmlns:p14="http://schemas.microsoft.com/office/powerpoint/2010/main">
+        <mc:Choice Requires="p14">
           <p:contentPart p14:bwMode="auto" r:id="rId5">
             <p14:nvContentPartPr>
               <p14:cNvPr id="13" name="Ink 12">
@@ -20101,7 +20114,7 @@
             </p14:xfrm>
           </p:contentPart>
         </mc:Choice>
-        <mc:Fallback>
+        <mc:Fallback xmlns="">
           <p:pic>
             <p:nvPicPr>
               <p:cNvPr id="13" name="Ink 12">
@@ -20246,8 +20259,8 @@
             <a:chExt cx="2756880" cy="1128960"/>
           </a:xfrm>
         </p:grpSpPr>
-        <mc:AlternateContent xmlns:mc="http://schemas.openxmlformats.org/markup-compatibility/2006">
-          <mc:Choice xmlns:p14="http://schemas.microsoft.com/office/powerpoint/2010/main" Requires="p14">
+        <mc:AlternateContent xmlns:mc="http://schemas.openxmlformats.org/markup-compatibility/2006" xmlns:p14="http://schemas.microsoft.com/office/powerpoint/2010/main">
+          <mc:Choice Requires="p14">
             <p:contentPart p14:bwMode="auto" r:id="rId7">
               <p14:nvContentPartPr>
                 <p14:cNvPr id="16" name="Ink 15">
@@ -20266,7 +20279,7 @@
               </p14:xfrm>
             </p:contentPart>
           </mc:Choice>
-          <mc:Fallback>
+          <mc:Fallback xmlns="">
             <p:pic>
               <p:nvPicPr>
                 <p:cNvPr id="16" name="Ink 15">
@@ -20297,8 +20310,8 @@
             </p:pic>
           </mc:Fallback>
         </mc:AlternateContent>
-        <mc:AlternateContent xmlns:mc="http://schemas.openxmlformats.org/markup-compatibility/2006">
-          <mc:Choice xmlns:p14="http://schemas.microsoft.com/office/powerpoint/2010/main" Requires="p14">
+        <mc:AlternateContent xmlns:mc="http://schemas.openxmlformats.org/markup-compatibility/2006" xmlns:p14="http://schemas.microsoft.com/office/powerpoint/2010/main">
+          <mc:Choice Requires="p14">
             <p:contentPart p14:bwMode="auto" r:id="rId9">
               <p14:nvContentPartPr>
                 <p14:cNvPr id="17" name="Ink 16">
@@ -20317,7 +20330,7 @@
               </p14:xfrm>
             </p:contentPart>
           </mc:Choice>
-          <mc:Fallback>
+          <mc:Fallback xmlns="">
             <p:pic>
               <p:nvPicPr>
                 <p:cNvPr id="17" name="Ink 16">
@@ -20348,8 +20361,8 @@
             </p:pic>
           </mc:Fallback>
         </mc:AlternateContent>
-        <mc:AlternateContent xmlns:mc="http://schemas.openxmlformats.org/markup-compatibility/2006">
-          <mc:Choice xmlns:p14="http://schemas.microsoft.com/office/powerpoint/2010/main" Requires="p14">
+        <mc:AlternateContent xmlns:mc="http://schemas.openxmlformats.org/markup-compatibility/2006" xmlns:p14="http://schemas.microsoft.com/office/powerpoint/2010/main">
+          <mc:Choice Requires="p14">
             <p:contentPart p14:bwMode="auto" r:id="rId11">
               <p14:nvContentPartPr>
                 <p14:cNvPr id="18" name="Ink 17">
@@ -20368,7 +20381,7 @@
               </p14:xfrm>
             </p:contentPart>
           </mc:Choice>
-          <mc:Fallback>
+          <mc:Fallback xmlns="">
             <p:pic>
               <p:nvPicPr>
                 <p:cNvPr id="18" name="Ink 17">
@@ -20399,8 +20412,8 @@
             </p:pic>
           </mc:Fallback>
         </mc:AlternateContent>
-        <mc:AlternateContent xmlns:mc="http://schemas.openxmlformats.org/markup-compatibility/2006">
-          <mc:Choice xmlns:p14="http://schemas.microsoft.com/office/powerpoint/2010/main" Requires="p14">
+        <mc:AlternateContent xmlns:mc="http://schemas.openxmlformats.org/markup-compatibility/2006" xmlns:p14="http://schemas.microsoft.com/office/powerpoint/2010/main">
+          <mc:Choice Requires="p14">
             <p:contentPart p14:bwMode="auto" r:id="rId13">
               <p14:nvContentPartPr>
                 <p14:cNvPr id="19" name="Ink 18">
@@ -20419,7 +20432,7 @@
               </p14:xfrm>
             </p:contentPart>
           </mc:Choice>
-          <mc:Fallback>
+          <mc:Fallback xmlns="">
             <p:pic>
               <p:nvPicPr>
                 <p:cNvPr id="19" name="Ink 18">
@@ -20450,8 +20463,8 @@
             </p:pic>
           </mc:Fallback>
         </mc:AlternateContent>
-        <mc:AlternateContent xmlns:mc="http://schemas.openxmlformats.org/markup-compatibility/2006">
-          <mc:Choice xmlns:p14="http://schemas.microsoft.com/office/powerpoint/2010/main" Requires="p14">
+        <mc:AlternateContent xmlns:mc="http://schemas.openxmlformats.org/markup-compatibility/2006" xmlns:p14="http://schemas.microsoft.com/office/powerpoint/2010/main">
+          <mc:Choice Requires="p14">
             <p:contentPart p14:bwMode="auto" r:id="rId15">
               <p14:nvContentPartPr>
                 <p14:cNvPr id="21" name="Ink 20">
@@ -20470,7 +20483,7 @@
               </p14:xfrm>
             </p:contentPart>
           </mc:Choice>
-          <mc:Fallback>
+          <mc:Fallback xmlns="">
             <p:pic>
               <p:nvPicPr>
                 <p:cNvPr id="21" name="Ink 20">
@@ -20502,8 +20515,8 @@
           </mc:Fallback>
         </mc:AlternateContent>
       </p:grpSp>
-      <mc:AlternateContent xmlns:mc="http://schemas.openxmlformats.org/markup-compatibility/2006">
-        <mc:Choice xmlns:p14="http://schemas.microsoft.com/office/powerpoint/2010/main" Requires="p14">
+      <mc:AlternateContent xmlns:mc="http://schemas.openxmlformats.org/markup-compatibility/2006" xmlns:p14="http://schemas.microsoft.com/office/powerpoint/2010/main">
+        <mc:Choice Requires="p14">
           <p:contentPart p14:bwMode="auto" r:id="rId17">
             <p14:nvContentPartPr>
               <p14:cNvPr id="23" name="Ink 22">
@@ -20522,7 +20535,7 @@
             </p14:xfrm>
           </p:contentPart>
         </mc:Choice>
-        <mc:Fallback>
+        <mc:Fallback xmlns="">
           <p:pic>
             <p:nvPicPr>
               <p:cNvPr id="23" name="Ink 22">
@@ -20553,8 +20566,8 @@
           </p:pic>
         </mc:Fallback>
       </mc:AlternateContent>
-      <mc:AlternateContent xmlns:mc="http://schemas.openxmlformats.org/markup-compatibility/2006">
-        <mc:Choice xmlns:p14="http://schemas.microsoft.com/office/powerpoint/2010/main" Requires="p14">
+      <mc:AlternateContent xmlns:mc="http://schemas.openxmlformats.org/markup-compatibility/2006" xmlns:p14="http://schemas.microsoft.com/office/powerpoint/2010/main">
+        <mc:Choice Requires="p14">
           <p:contentPart p14:bwMode="auto" r:id="rId19">
             <p14:nvContentPartPr>
               <p14:cNvPr id="26" name="Ink 25">
@@ -20573,7 +20586,7 @@
             </p14:xfrm>
           </p:contentPart>
         </mc:Choice>
-        <mc:Fallback>
+        <mc:Fallback xmlns="">
           <p:pic>
             <p:nvPicPr>
               <p:cNvPr id="26" name="Ink 25">
@@ -20624,8 +20637,8 @@
             <a:chExt cx="713880" cy="295920"/>
           </a:xfrm>
         </p:grpSpPr>
-        <mc:AlternateContent xmlns:mc="http://schemas.openxmlformats.org/markup-compatibility/2006">
-          <mc:Choice xmlns:p14="http://schemas.microsoft.com/office/powerpoint/2010/main" Requires="p14">
+        <mc:AlternateContent xmlns:mc="http://schemas.openxmlformats.org/markup-compatibility/2006" xmlns:p14="http://schemas.microsoft.com/office/powerpoint/2010/main">
+          <mc:Choice Requires="p14">
             <p:contentPart p14:bwMode="auto" r:id="rId21">
               <p14:nvContentPartPr>
                 <p14:cNvPr id="29" name="Ink 28">
@@ -20644,7 +20657,7 @@
               </p14:xfrm>
             </p:contentPart>
           </mc:Choice>
-          <mc:Fallback>
+          <mc:Fallback xmlns="">
             <p:pic>
               <p:nvPicPr>
                 <p:cNvPr id="29" name="Ink 28">
@@ -20675,8 +20688,8 @@
             </p:pic>
           </mc:Fallback>
         </mc:AlternateContent>
-        <mc:AlternateContent xmlns:mc="http://schemas.openxmlformats.org/markup-compatibility/2006">
-          <mc:Choice xmlns:p14="http://schemas.microsoft.com/office/powerpoint/2010/main" Requires="p14">
+        <mc:AlternateContent xmlns:mc="http://schemas.openxmlformats.org/markup-compatibility/2006" xmlns:p14="http://schemas.microsoft.com/office/powerpoint/2010/main">
+          <mc:Choice Requires="p14">
             <p:contentPart p14:bwMode="auto" r:id="rId23">
               <p14:nvContentPartPr>
                 <p14:cNvPr id="30" name="Ink 29">
@@ -20695,7 +20708,7 @@
               </p14:xfrm>
             </p:contentPart>
           </mc:Choice>
-          <mc:Fallback>
+          <mc:Fallback xmlns="">
             <p:pic>
               <p:nvPicPr>
                 <p:cNvPr id="30" name="Ink 29">
@@ -20726,8 +20739,8 @@
             </p:pic>
           </mc:Fallback>
         </mc:AlternateContent>
-        <mc:AlternateContent xmlns:mc="http://schemas.openxmlformats.org/markup-compatibility/2006">
-          <mc:Choice xmlns:p14="http://schemas.microsoft.com/office/powerpoint/2010/main" Requires="p14">
+        <mc:AlternateContent xmlns:mc="http://schemas.openxmlformats.org/markup-compatibility/2006" xmlns:p14="http://schemas.microsoft.com/office/powerpoint/2010/main">
+          <mc:Choice Requires="p14">
             <p:contentPart p14:bwMode="auto" r:id="rId25">
               <p14:nvContentPartPr>
                 <p14:cNvPr id="32" name="Ink 31">
@@ -20746,7 +20759,7 @@
               </p14:xfrm>
             </p:contentPart>
           </mc:Choice>
-          <mc:Fallback>
+          <mc:Fallback xmlns="">
             <p:pic>
               <p:nvPicPr>
                 <p:cNvPr id="32" name="Ink 31">
@@ -20777,8 +20790,8 @@
             </p:pic>
           </mc:Fallback>
         </mc:AlternateContent>
-        <mc:AlternateContent xmlns:mc="http://schemas.openxmlformats.org/markup-compatibility/2006">
-          <mc:Choice xmlns:p14="http://schemas.microsoft.com/office/powerpoint/2010/main" Requires="p14">
+        <mc:AlternateContent xmlns:mc="http://schemas.openxmlformats.org/markup-compatibility/2006" xmlns:p14="http://schemas.microsoft.com/office/powerpoint/2010/main">
+          <mc:Choice Requires="p14">
             <p:contentPart p14:bwMode="auto" r:id="rId27">
               <p14:nvContentPartPr>
                 <p14:cNvPr id="34" name="Ink 33">
@@ -20797,7 +20810,7 @@
               </p14:xfrm>
             </p:contentPart>
           </mc:Choice>
-          <mc:Fallback>
+          <mc:Fallback xmlns="">
             <p:pic>
               <p:nvPicPr>
                 <p:cNvPr id="34" name="Ink 33">
@@ -20828,8 +20841,8 @@
             </p:pic>
           </mc:Fallback>
         </mc:AlternateContent>
-        <mc:AlternateContent xmlns:mc="http://schemas.openxmlformats.org/markup-compatibility/2006">
-          <mc:Choice xmlns:p14="http://schemas.microsoft.com/office/powerpoint/2010/main" Requires="p14">
+        <mc:AlternateContent xmlns:mc="http://schemas.openxmlformats.org/markup-compatibility/2006" xmlns:p14="http://schemas.microsoft.com/office/powerpoint/2010/main">
+          <mc:Choice Requires="p14">
             <p:contentPart p14:bwMode="auto" r:id="rId29">
               <p14:nvContentPartPr>
                 <p14:cNvPr id="35" name="Ink 34">
@@ -20848,7 +20861,7 @@
               </p14:xfrm>
             </p:contentPart>
           </mc:Choice>
-          <mc:Fallback>
+          <mc:Fallback xmlns="">
             <p:pic>
               <p:nvPicPr>
                 <p:cNvPr id="35" name="Ink 34">
@@ -20879,8 +20892,8 @@
             </p:pic>
           </mc:Fallback>
         </mc:AlternateContent>
-        <mc:AlternateContent xmlns:mc="http://schemas.openxmlformats.org/markup-compatibility/2006">
-          <mc:Choice xmlns:p14="http://schemas.microsoft.com/office/powerpoint/2010/main" Requires="p14">
+        <mc:AlternateContent xmlns:mc="http://schemas.openxmlformats.org/markup-compatibility/2006" xmlns:p14="http://schemas.microsoft.com/office/powerpoint/2010/main">
+          <mc:Choice Requires="p14">
             <p:contentPart p14:bwMode="auto" r:id="rId31">
               <p14:nvContentPartPr>
                 <p14:cNvPr id="37" name="Ink 36">
@@ -20899,7 +20912,7 @@
               </p14:xfrm>
             </p:contentPart>
           </mc:Choice>
-          <mc:Fallback>
+          <mc:Fallback xmlns="">
             <p:pic>
               <p:nvPicPr>
                 <p:cNvPr id="37" name="Ink 36">
